--- a/Linux/Linux_1.pptx
+++ b/Linux/Linux_1.pptx
@@ -320,7 +320,7 @@
           <a:p>
             <a:fld id="{2F1821B5-37BB-41B5-BD85-7EC3A06263DA}" type="datetimeFigureOut">
               <a:rPr lang="zh-TW" altLang="en-US" smtClean="0"/>
-              <a:t>2019/5/6</a:t>
+              <a:t>2019/5/10</a:t>
             </a:fld>
             <a:endParaRPr lang="zh-TW" altLang="en-US"/>
           </a:p>
@@ -490,7 +490,7 @@
           <a:p>
             <a:fld id="{2F1821B5-37BB-41B5-BD85-7EC3A06263DA}" type="datetimeFigureOut">
               <a:rPr lang="zh-TW" altLang="en-US" smtClean="0"/>
-              <a:t>2019/5/6</a:t>
+              <a:t>2019/5/10</a:t>
             </a:fld>
             <a:endParaRPr lang="zh-TW" altLang="en-US"/>
           </a:p>
@@ -670,7 +670,7 @@
           <a:p>
             <a:fld id="{2F1821B5-37BB-41B5-BD85-7EC3A06263DA}" type="datetimeFigureOut">
               <a:rPr lang="zh-TW" altLang="en-US" smtClean="0"/>
-              <a:t>2019/5/6</a:t>
+              <a:t>2019/5/10</a:t>
             </a:fld>
             <a:endParaRPr lang="zh-TW" altLang="en-US"/>
           </a:p>
@@ -840,7 +840,7 @@
           <a:p>
             <a:fld id="{2F1821B5-37BB-41B5-BD85-7EC3A06263DA}" type="datetimeFigureOut">
               <a:rPr lang="zh-TW" altLang="en-US" smtClean="0"/>
-              <a:t>2019/5/6</a:t>
+              <a:t>2019/5/10</a:t>
             </a:fld>
             <a:endParaRPr lang="zh-TW" altLang="en-US"/>
           </a:p>
@@ -1086,7 +1086,7 @@
           <a:p>
             <a:fld id="{2F1821B5-37BB-41B5-BD85-7EC3A06263DA}" type="datetimeFigureOut">
               <a:rPr lang="zh-TW" altLang="en-US" smtClean="0"/>
-              <a:t>2019/5/6</a:t>
+              <a:t>2019/5/10</a:t>
             </a:fld>
             <a:endParaRPr lang="zh-TW" altLang="en-US"/>
           </a:p>
@@ -1374,7 +1374,7 @@
           <a:p>
             <a:fld id="{2F1821B5-37BB-41B5-BD85-7EC3A06263DA}" type="datetimeFigureOut">
               <a:rPr lang="zh-TW" altLang="en-US" smtClean="0"/>
-              <a:t>2019/5/6</a:t>
+              <a:t>2019/5/10</a:t>
             </a:fld>
             <a:endParaRPr lang="zh-TW" altLang="en-US"/>
           </a:p>
@@ -1796,7 +1796,7 @@
           <a:p>
             <a:fld id="{2F1821B5-37BB-41B5-BD85-7EC3A06263DA}" type="datetimeFigureOut">
               <a:rPr lang="zh-TW" altLang="en-US" smtClean="0"/>
-              <a:t>2019/5/6</a:t>
+              <a:t>2019/5/10</a:t>
             </a:fld>
             <a:endParaRPr lang="zh-TW" altLang="en-US"/>
           </a:p>
@@ -1914,7 +1914,7 @@
           <a:p>
             <a:fld id="{2F1821B5-37BB-41B5-BD85-7EC3A06263DA}" type="datetimeFigureOut">
               <a:rPr lang="zh-TW" altLang="en-US" smtClean="0"/>
-              <a:t>2019/5/6</a:t>
+              <a:t>2019/5/10</a:t>
             </a:fld>
             <a:endParaRPr lang="zh-TW" altLang="en-US"/>
           </a:p>
@@ -2009,7 +2009,7 @@
           <a:p>
             <a:fld id="{2F1821B5-37BB-41B5-BD85-7EC3A06263DA}" type="datetimeFigureOut">
               <a:rPr lang="zh-TW" altLang="en-US" smtClean="0"/>
-              <a:t>2019/5/6</a:t>
+              <a:t>2019/5/10</a:t>
             </a:fld>
             <a:endParaRPr lang="zh-TW" altLang="en-US"/>
           </a:p>
@@ -2286,7 +2286,7 @@
           <a:p>
             <a:fld id="{2F1821B5-37BB-41B5-BD85-7EC3A06263DA}" type="datetimeFigureOut">
               <a:rPr lang="zh-TW" altLang="en-US" smtClean="0"/>
-              <a:t>2019/5/6</a:t>
+              <a:t>2019/5/10</a:t>
             </a:fld>
             <a:endParaRPr lang="zh-TW" altLang="en-US"/>
           </a:p>
@@ -2539,7 +2539,7 @@
           <a:p>
             <a:fld id="{2F1821B5-37BB-41B5-BD85-7EC3A06263DA}" type="datetimeFigureOut">
               <a:rPr lang="zh-TW" altLang="en-US" smtClean="0"/>
-              <a:t>2019/5/6</a:t>
+              <a:t>2019/5/10</a:t>
             </a:fld>
             <a:endParaRPr lang="zh-TW" altLang="en-US"/>
           </a:p>
@@ -2752,7 +2752,7 @@
           <a:p>
             <a:fld id="{2F1821B5-37BB-41B5-BD85-7EC3A06263DA}" type="datetimeFigureOut">
               <a:rPr lang="zh-TW" altLang="en-US" smtClean="0"/>
-              <a:t>2019/5/6</a:t>
+              <a:t>2019/5/10</a:t>
             </a:fld>
             <a:endParaRPr lang="zh-TW" altLang="en-US"/>
           </a:p>
@@ -3183,11 +3183,7 @@
             </a:r>
             <a:r>
               <a:rPr lang="zh-TW" altLang="en-US" dirty="0" smtClean="0"/>
-              <a:t>檔案系統基本</a:t>
-            </a:r>
-            <a:r>
-              <a:rPr lang="zh-TW" altLang="en-US" dirty="0" smtClean="0"/>
-              <a:t>操作</a:t>
+              <a:t>檔案系統基本操作</a:t>
             </a:r>
             <a:endParaRPr lang="en-US" altLang="zh-TW" dirty="0" smtClean="0"/>
           </a:p>
@@ -3244,11 +3240,7 @@
             </a:r>
             <a:r>
               <a:rPr lang="zh-TW" altLang="en-US" dirty="0" smtClean="0"/>
-              <a:t>刪除</a:t>
-            </a:r>
-            <a:r>
-              <a:rPr lang="zh-TW" altLang="en-US" dirty="0" smtClean="0"/>
-              <a:t>目錄</a:t>
+              <a:t>刪除目錄</a:t>
             </a:r>
             <a:r>
               <a:rPr lang="en-US" altLang="zh-TW" dirty="0"/>
@@ -3256,11 +3248,7 @@
             </a:r>
             <a:r>
               <a:rPr lang="zh-TW" altLang="en-US" dirty="0" smtClean="0"/>
-              <a:t>顯示</a:t>
-            </a:r>
-            <a:r>
-              <a:rPr lang="zh-TW" altLang="en-US" dirty="0" smtClean="0"/>
-              <a:t>目前目錄</a:t>
+              <a:t>顯示目前目錄</a:t>
             </a:r>
             <a:endParaRPr lang="zh-TW" altLang="en-US" dirty="0"/>
           </a:p>
@@ -3348,7 +3336,7 @@
             </a:r>
             <a:r>
               <a:rPr lang="en-US" altLang="zh-TW" dirty="0" smtClean="0"/>
-              <a:t>1.5 </a:t>
+              <a:t>1.6 </a:t>
             </a:r>
             <a:r>
               <a:rPr lang="zh-TW" altLang="en-US" dirty="0" smtClean="0"/>
@@ -3460,7 +3448,7 @@
             </a:r>
             <a:r>
               <a:rPr lang="en-US" altLang="zh-TW" dirty="0" smtClean="0"/>
-              <a:t>1.6 </a:t>
+              <a:t>1.7 </a:t>
             </a:r>
             <a:r>
               <a:rPr lang="zh-TW" altLang="en-US" dirty="0" smtClean="0"/>
@@ -3700,7 +3688,7 @@
             </a:r>
             <a:r>
               <a:rPr lang="en-US" altLang="zh-TW" dirty="0" smtClean="0"/>
-              <a:t>1.7 </a:t>
+              <a:t>1.8 </a:t>
             </a:r>
             <a:r>
               <a:rPr lang="zh-TW" altLang="en-US" dirty="0" smtClean="0"/>
@@ -3746,7 +3734,7 @@
             </a:r>
             <a:r>
               <a:rPr lang="en-US" altLang="zh-TW" dirty="0" smtClean="0"/>
-              <a:t>1.8 </a:t>
+              <a:t>1.9 </a:t>
             </a:r>
             <a:r>
               <a:rPr lang="zh-TW" altLang="en-US" dirty="0" smtClean="0"/>
@@ -3766,7 +3754,7 @@
             </a:r>
             <a:r>
               <a:rPr lang="zh-TW" altLang="en-US" dirty="0" smtClean="0"/>
-              <a:t>產生的檔案證實為空</a:t>
+              <a:t>產生的檔案為空</a:t>
             </a:r>
             <a:endParaRPr lang="zh-TW" altLang="en-US" dirty="0"/>
           </a:p>
@@ -3875,8 +3863,27 @@
             </a:r>
             <a:r>
               <a:rPr lang="en-US" altLang="zh-TW" dirty="0" smtClean="0"/>
-              <a:t>(Recursive)</a:t>
-            </a:r>
+              <a:t>(Recursive</a:t>
+            </a:r>
+            <a:r>
+              <a:rPr lang="en-US" altLang="zh-TW" dirty="0" smtClean="0"/>
+              <a:t>)</a:t>
+            </a:r>
+          </a:p>
+          <a:p>
+            <a:r>
+              <a:rPr lang="zh-TW" altLang="en-US" dirty="0"/>
+              <a:t>複製檔案參數</a:t>
+            </a:r>
+            <a:r>
+              <a:rPr lang="en-US" altLang="zh-TW" dirty="0" smtClean="0"/>
+              <a:t>:-f </a:t>
+            </a:r>
+            <a:r>
+              <a:rPr lang="zh-TW" altLang="en-US" dirty="0" smtClean="0"/>
+              <a:t>覆蓋</a:t>
+            </a:r>
+            <a:endParaRPr lang="en-US" altLang="zh-TW" dirty="0" smtClean="0"/>
           </a:p>
           <a:p>
             <a:endParaRPr lang="en-US" altLang="zh-TW" dirty="0" smtClean="0"/>
@@ -3910,11 +3917,7 @@
             </a:r>
             <a:r>
               <a:rPr lang="en-US" altLang="zh-TW" dirty="0" smtClean="0"/>
-              <a:t>(force</a:t>
-            </a:r>
-            <a:r>
-              <a:rPr lang="en-US" altLang="zh-TW" dirty="0" smtClean="0"/>
-              <a:t>)</a:t>
+              <a:t>(force)</a:t>
             </a:r>
           </a:p>
           <a:p>
@@ -4081,7 +4084,7 @@
             </a:r>
             <a:r>
               <a:rPr lang="en-US" altLang="zh-TW" dirty="0" smtClean="0"/>
-              <a:t>1.9 </a:t>
+              <a:t>1.10 </a:t>
             </a:r>
             <a:r>
               <a:rPr lang="zh-TW" altLang="en-US" dirty="0"/>
@@ -4180,7 +4183,7 @@
             </a:r>
             <a:r>
               <a:rPr lang="en-US" altLang="zh-TW" dirty="0" smtClean="0"/>
-              <a:t>1.10 </a:t>
+              <a:t>1.11 </a:t>
             </a:r>
             <a:r>
               <a:rPr lang="zh-TW" altLang="en-US" dirty="0" smtClean="0"/>
@@ -4337,7 +4340,7 @@
             </a:r>
             <a:r>
               <a:rPr lang="en-US" altLang="zh-TW" dirty="0" smtClean="0"/>
-              <a:t>1.11 </a:t>
+              <a:t>1.12 </a:t>
             </a:r>
             <a:r>
               <a:rPr lang="zh-TW" altLang="en-US" dirty="0" smtClean="0"/>
@@ -4462,13 +4465,8 @@
             </a:r>
             <a:r>
               <a:rPr lang="en-US" altLang="zh-TW" dirty="0" smtClean="0"/>
-              <a:t> [file name or </a:t>
-            </a:r>
-            <a:r>
-              <a:rPr lang="en-US" altLang="zh-TW" dirty="0" smtClean="0"/>
-              <a:t>directory]</a:t>
-            </a:r>
-            <a:endParaRPr lang="en-US" altLang="zh-TW" dirty="0" smtClean="0"/>
+              <a:t> [file name or directory]</a:t>
+            </a:r>
           </a:p>
           <a:p>
             <a:r>
@@ -4656,7 +4654,7 @@
             </a:r>
             <a:r>
               <a:rPr lang="en-US" altLang="zh-TW" dirty="0" smtClean="0"/>
-              <a:t>1.12 </a:t>
+              <a:t>1.13 </a:t>
             </a:r>
             <a:r>
               <a:rPr lang="zh-TW" altLang="en-US" dirty="0" smtClean="0"/>
@@ -5486,9 +5484,18 @@
               <a:t>  </a:t>
             </a:r>
             <a:r>
-              <a:rPr lang="en-US" altLang="zh-TW" dirty="0" smtClean="0"/>
-              <a:t>e.g. C:\Program Files\7-zip</a:t>
-            </a:r>
+              <a:rPr lang="en-US" altLang="zh-TW" dirty="0" err="1" smtClean="0"/>
+              <a:t>eg</a:t>
+            </a:r>
+            <a:r>
+              <a:rPr lang="en-US" altLang="zh-TW" dirty="0" smtClean="0"/>
+              <a:t> </a:t>
+            </a:r>
+            <a:r>
+              <a:rPr lang="en-US" altLang="zh-TW" dirty="0" smtClean="0"/>
+              <a:t>~/test/test1</a:t>
+            </a:r>
+            <a:endParaRPr lang="en-US" altLang="zh-TW" dirty="0" smtClean="0"/>
           </a:p>
           <a:p>
             <a:r>
@@ -5514,16 +5521,28 @@
               <a:t>  </a:t>
             </a:r>
             <a:r>
-              <a:rPr lang="en-US" altLang="zh-TW" dirty="0" smtClean="0"/>
-              <a:t>e.g. ./7-zip(</a:t>
-            </a:r>
-            <a:r>
-              <a:rPr lang="zh-TW" altLang="en-US" dirty="0" smtClean="0"/>
-              <a:t>如果在</a:t>
-            </a:r>
-            <a:r>
-              <a:rPr lang="en-US" altLang="zh-TW" dirty="0" smtClean="0"/>
-              <a:t>Program Files</a:t>
+              <a:rPr lang="en-US" altLang="zh-TW" dirty="0" err="1" smtClean="0"/>
+              <a:t>eg</a:t>
+            </a:r>
+            <a:r>
+              <a:rPr lang="en-US" altLang="zh-TW" dirty="0" smtClean="0"/>
+              <a:t> </a:t>
+            </a:r>
+            <a:r>
+              <a:rPr lang="en-US" altLang="zh-TW" dirty="0" smtClean="0"/>
+              <a:t>./test(</a:t>
+            </a:r>
+            <a:r>
+              <a:rPr lang="zh-TW" altLang="en-US" dirty="0" smtClean="0"/>
+              <a:t>如果</a:t>
+            </a:r>
+            <a:r>
+              <a:rPr lang="zh-TW" altLang="en-US" dirty="0" smtClean="0"/>
+              <a:t>在</a:t>
+            </a:r>
+            <a:r>
+              <a:rPr lang="en-US" altLang="zh-TW" dirty="0" smtClean="0"/>
+              <a:t>~</a:t>
             </a:r>
             <a:r>
               <a:rPr lang="zh-TW" altLang="en-US" dirty="0" smtClean="0"/>
@@ -5991,11 +6010,7 @@
             </a:r>
             <a:r>
               <a:rPr lang="zh-TW" altLang="en-US" dirty="0" smtClean="0"/>
-              <a:t>刪除</a:t>
-            </a:r>
-            <a:r>
-              <a:rPr lang="zh-TW" altLang="en-US" dirty="0" smtClean="0"/>
-              <a:t>目錄</a:t>
+              <a:t>刪除空目錄</a:t>
             </a:r>
             <a:r>
               <a:rPr lang="en-US" altLang="zh-TW" dirty="0" smtClean="0"/>
@@ -6003,11 +6018,7 @@
             </a:r>
             <a:r>
               <a:rPr lang="zh-TW" altLang="en-US" dirty="0" smtClean="0"/>
-              <a:t>顯示</a:t>
-            </a:r>
-            <a:r>
-              <a:rPr lang="zh-TW" altLang="en-US" dirty="0" smtClean="0"/>
-              <a:t>目前目錄</a:t>
+              <a:t>顯示目前目錄</a:t>
             </a:r>
             <a:endParaRPr lang="zh-TW" altLang="en-US" dirty="0"/>
           </a:p>
@@ -6023,26 +6034,23 @@
             <p:ph idx="1"/>
           </p:nvPr>
         </p:nvSpPr>
-        <p:spPr/>
-        <p:txBody>
-          <a:bodyPr/>
-          <a:lstStyle/>
-          <a:p>
-            <a:r>
-              <a:rPr lang="zh-TW" altLang="en-US" dirty="0" smtClean="0"/>
-              <a:t>刪除目錄</a:t>
-            </a:r>
-            <a:r>
-              <a:rPr lang="en-US" altLang="zh-TW" dirty="0" smtClean="0"/>
-              <a:t>(</a:t>
-            </a:r>
-            <a:r>
-              <a:rPr lang="zh-TW" altLang="en-US" dirty="0" smtClean="0"/>
-              <a:t>空</a:t>
-            </a:r>
-            <a:r>
-              <a:rPr lang="en-US" altLang="zh-TW" dirty="0" smtClean="0"/>
-              <a:t>):</a:t>
+        <p:spPr>
+          <a:xfrm>
+            <a:off x="457200" y="1628800"/>
+            <a:ext cx="8229600" cy="4525963"/>
+          </a:xfrm>
+        </p:spPr>
+        <p:txBody>
+          <a:bodyPr/>
+          <a:lstStyle/>
+          <a:p>
+            <a:r>
+              <a:rPr lang="zh-TW" altLang="en-US" dirty="0" smtClean="0"/>
+              <a:t>刪除空目錄</a:t>
+            </a:r>
+            <a:r>
+              <a:rPr lang="en-US" altLang="zh-TW" dirty="0" smtClean="0"/>
+              <a:t>:</a:t>
             </a:r>
             <a:r>
               <a:rPr lang="en-US" altLang="zh-TW" dirty="0" err="1" smtClean="0"/>
@@ -6106,6 +6114,76 @@
             <a:r>
               <a:rPr lang="en-US" altLang="zh-TW" dirty="0" err="1"/>
               <a:t>pwd</a:t>
+            </a:r>
+            <a:endParaRPr lang="zh-TW" altLang="en-US" dirty="0"/>
+          </a:p>
+        </p:txBody>
+      </p:sp>
+      <p:pic>
+        <p:nvPicPr>
+          <p:cNvPr id="4" name="圖片 3"/>
+          <p:cNvPicPr>
+            <a:picLocks noChangeAspect="1"/>
+          </p:cNvPicPr>
+          <p:nvPr/>
+        </p:nvPicPr>
+        <p:blipFill>
+          <a:blip r:embed="rId2"/>
+          <a:stretch>
+            <a:fillRect/>
+          </a:stretch>
+        </p:blipFill>
+        <p:spPr>
+          <a:xfrm>
+            <a:off x="1475656" y="3933056"/>
+            <a:ext cx="5328592" cy="2489920"/>
+          </a:xfrm>
+          <a:prstGeom prst="rect">
+            <a:avLst/>
+          </a:prstGeom>
+        </p:spPr>
+      </p:pic>
+      <p:sp>
+        <p:nvSpPr>
+          <p:cNvPr id="5" name="文字方塊 4"/>
+          <p:cNvSpPr txBox="1"/>
+          <p:nvPr/>
+        </p:nvSpPr>
+        <p:spPr>
+          <a:xfrm>
+            <a:off x="2555776" y="6422976"/>
+            <a:ext cx="3600400" cy="369332"/>
+          </a:xfrm>
+          <a:prstGeom prst="rect">
+            <a:avLst/>
+          </a:prstGeom>
+          <a:noFill/>
+        </p:spPr>
+        <p:txBody>
+          <a:bodyPr wrap="square" rtlCol="0">
+            <a:spAutoFit/>
+          </a:bodyPr>
+          <a:lstStyle/>
+          <a:p>
+            <a:r>
+              <a:rPr lang="zh-TW" altLang="en-US" dirty="0" smtClean="0"/>
+              <a:t>圖</a:t>
+            </a:r>
+            <a:r>
+              <a:rPr lang="en-US" altLang="zh-TW" dirty="0" smtClean="0"/>
+              <a:t>1.4</a:t>
+            </a:r>
+            <a:r>
+              <a:rPr lang="zh-TW" altLang="en-US" dirty="0" smtClean="0"/>
+              <a:t> 使用</a:t>
+            </a:r>
+            <a:r>
+              <a:rPr lang="en-US" altLang="zh-TW" dirty="0" err="1" smtClean="0"/>
+              <a:t>rmdir</a:t>
+            </a:r>
+            <a:r>
+              <a:rPr lang="zh-TW" altLang="en-US" dirty="0" smtClean="0"/>
+              <a:t>刪除空目錄</a:t>
             </a:r>
             <a:endParaRPr lang="zh-TW" altLang="en-US" dirty="0"/>
           </a:p>
@@ -6162,11 +6240,7 @@
             </a:r>
             <a:r>
               <a:rPr lang="zh-TW" altLang="en-US" dirty="0" smtClean="0"/>
-              <a:t>刪除</a:t>
-            </a:r>
-            <a:r>
-              <a:rPr lang="zh-TW" altLang="en-US" dirty="0" smtClean="0"/>
-              <a:t>目錄</a:t>
+              <a:t>刪除目錄</a:t>
             </a:r>
             <a:r>
               <a:rPr lang="en-US" altLang="zh-TW" dirty="0"/>
@@ -6174,11 +6248,7 @@
             </a:r>
             <a:r>
               <a:rPr lang="zh-TW" altLang="en-US" dirty="0" smtClean="0"/>
-              <a:t>顯示</a:t>
-            </a:r>
-            <a:r>
-              <a:rPr lang="zh-TW" altLang="en-US" dirty="0" smtClean="0"/>
-              <a:t>目前目錄</a:t>
+              <a:t>顯示目前目錄</a:t>
             </a:r>
             <a:endParaRPr lang="zh-TW" altLang="en-US" dirty="0"/>
           </a:p>
@@ -6266,7 +6336,7 @@
             </a:r>
             <a:r>
               <a:rPr lang="en-US" altLang="zh-TW" dirty="0" smtClean="0"/>
-              <a:t>1.4 </a:t>
+              <a:t>1.5 </a:t>
             </a:r>
             <a:r>
               <a:rPr lang="zh-TW" altLang="en-US" dirty="0" smtClean="0"/>
@@ -6286,11 +6356,7 @@
             </a:r>
             <a:r>
               <a:rPr lang="zh-TW" altLang="en-US" dirty="0" smtClean="0"/>
-              <a:t>刪除時報</a:t>
-            </a:r>
-            <a:r>
-              <a:rPr lang="zh-TW" altLang="en-US" dirty="0" smtClean="0"/>
-              <a:t>錯</a:t>
+              <a:t>刪除時報錯</a:t>
             </a:r>
             <a:r>
               <a:rPr lang="en-US" altLang="zh-TW" dirty="0" smtClean="0"/>

--- a/Linux/Linux_1.pptx
+++ b/Linux/Linux_1.pptx
@@ -7,21 +7,26 @@
   <p:sldIdLst>
     <p:sldId id="256" r:id="rId2"/>
     <p:sldId id="257" r:id="rId3"/>
-    <p:sldId id="258" r:id="rId4"/>
-    <p:sldId id="260" r:id="rId5"/>
-    <p:sldId id="261" r:id="rId6"/>
-    <p:sldId id="262" r:id="rId7"/>
-    <p:sldId id="263" r:id="rId8"/>
-    <p:sldId id="268" r:id="rId9"/>
-    <p:sldId id="269" r:id="rId10"/>
-    <p:sldId id="270" r:id="rId11"/>
-    <p:sldId id="264" r:id="rId12"/>
-    <p:sldId id="265" r:id="rId13"/>
-    <p:sldId id="266" r:id="rId14"/>
-    <p:sldId id="267" r:id="rId15"/>
-    <p:sldId id="271" r:id="rId16"/>
-    <p:sldId id="272" r:id="rId17"/>
-    <p:sldId id="273" r:id="rId18"/>
+    <p:sldId id="274" r:id="rId4"/>
+    <p:sldId id="258" r:id="rId5"/>
+    <p:sldId id="260" r:id="rId6"/>
+    <p:sldId id="275" r:id="rId7"/>
+    <p:sldId id="261" r:id="rId8"/>
+    <p:sldId id="262" r:id="rId9"/>
+    <p:sldId id="263" r:id="rId10"/>
+    <p:sldId id="268" r:id="rId11"/>
+    <p:sldId id="269" r:id="rId12"/>
+    <p:sldId id="270" r:id="rId13"/>
+    <p:sldId id="264" r:id="rId14"/>
+    <p:sldId id="265" r:id="rId15"/>
+    <p:sldId id="266" r:id="rId16"/>
+    <p:sldId id="267" r:id="rId17"/>
+    <p:sldId id="271" r:id="rId18"/>
+    <p:sldId id="272" r:id="rId19"/>
+    <p:sldId id="273" r:id="rId20"/>
+    <p:sldId id="276" r:id="rId21"/>
+    <p:sldId id="277" r:id="rId22"/>
+    <p:sldId id="278" r:id="rId23"/>
   </p:sldIdLst>
   <p:sldSz cx="9144000" cy="6858000" type="screen4x3"/>
   <p:notesSz cx="6858000" cy="9144000"/>
@@ -320,7 +325,7 @@
           <a:p>
             <a:fld id="{2F1821B5-37BB-41B5-BD85-7EC3A06263DA}" type="datetimeFigureOut">
               <a:rPr lang="zh-TW" altLang="en-US" smtClean="0"/>
-              <a:t>2019/5/10</a:t>
+              <a:t>2019/5/13</a:t>
             </a:fld>
             <a:endParaRPr lang="zh-TW" altLang="en-US"/>
           </a:p>
@@ -490,7 +495,7 @@
           <a:p>
             <a:fld id="{2F1821B5-37BB-41B5-BD85-7EC3A06263DA}" type="datetimeFigureOut">
               <a:rPr lang="zh-TW" altLang="en-US" smtClean="0"/>
-              <a:t>2019/5/10</a:t>
+              <a:t>2019/5/13</a:t>
             </a:fld>
             <a:endParaRPr lang="zh-TW" altLang="en-US"/>
           </a:p>
@@ -670,7 +675,7 @@
           <a:p>
             <a:fld id="{2F1821B5-37BB-41B5-BD85-7EC3A06263DA}" type="datetimeFigureOut">
               <a:rPr lang="zh-TW" altLang="en-US" smtClean="0"/>
-              <a:t>2019/5/10</a:t>
+              <a:t>2019/5/13</a:t>
             </a:fld>
             <a:endParaRPr lang="zh-TW" altLang="en-US"/>
           </a:p>
@@ -840,7 +845,7 @@
           <a:p>
             <a:fld id="{2F1821B5-37BB-41B5-BD85-7EC3A06263DA}" type="datetimeFigureOut">
               <a:rPr lang="zh-TW" altLang="en-US" smtClean="0"/>
-              <a:t>2019/5/10</a:t>
+              <a:t>2019/5/13</a:t>
             </a:fld>
             <a:endParaRPr lang="zh-TW" altLang="en-US"/>
           </a:p>
@@ -1086,7 +1091,7 @@
           <a:p>
             <a:fld id="{2F1821B5-37BB-41B5-BD85-7EC3A06263DA}" type="datetimeFigureOut">
               <a:rPr lang="zh-TW" altLang="en-US" smtClean="0"/>
-              <a:t>2019/5/10</a:t>
+              <a:t>2019/5/13</a:t>
             </a:fld>
             <a:endParaRPr lang="zh-TW" altLang="en-US"/>
           </a:p>
@@ -1374,7 +1379,7 @@
           <a:p>
             <a:fld id="{2F1821B5-37BB-41B5-BD85-7EC3A06263DA}" type="datetimeFigureOut">
               <a:rPr lang="zh-TW" altLang="en-US" smtClean="0"/>
-              <a:t>2019/5/10</a:t>
+              <a:t>2019/5/13</a:t>
             </a:fld>
             <a:endParaRPr lang="zh-TW" altLang="en-US"/>
           </a:p>
@@ -1796,7 +1801,7 @@
           <a:p>
             <a:fld id="{2F1821B5-37BB-41B5-BD85-7EC3A06263DA}" type="datetimeFigureOut">
               <a:rPr lang="zh-TW" altLang="en-US" smtClean="0"/>
-              <a:t>2019/5/10</a:t>
+              <a:t>2019/5/13</a:t>
             </a:fld>
             <a:endParaRPr lang="zh-TW" altLang="en-US"/>
           </a:p>
@@ -1914,7 +1919,7 @@
           <a:p>
             <a:fld id="{2F1821B5-37BB-41B5-BD85-7EC3A06263DA}" type="datetimeFigureOut">
               <a:rPr lang="zh-TW" altLang="en-US" smtClean="0"/>
-              <a:t>2019/5/10</a:t>
+              <a:t>2019/5/13</a:t>
             </a:fld>
             <a:endParaRPr lang="zh-TW" altLang="en-US"/>
           </a:p>
@@ -2009,7 +2014,7 @@
           <a:p>
             <a:fld id="{2F1821B5-37BB-41B5-BD85-7EC3A06263DA}" type="datetimeFigureOut">
               <a:rPr lang="zh-TW" altLang="en-US" smtClean="0"/>
-              <a:t>2019/5/10</a:t>
+              <a:t>2019/5/13</a:t>
             </a:fld>
             <a:endParaRPr lang="zh-TW" altLang="en-US"/>
           </a:p>
@@ -2286,7 +2291,7 @@
           <a:p>
             <a:fld id="{2F1821B5-37BB-41B5-BD85-7EC3A06263DA}" type="datetimeFigureOut">
               <a:rPr lang="zh-TW" altLang="en-US" smtClean="0"/>
-              <a:t>2019/5/10</a:t>
+              <a:t>2019/5/13</a:t>
             </a:fld>
             <a:endParaRPr lang="zh-TW" altLang="en-US"/>
           </a:p>
@@ -2539,7 +2544,7 @@
           <a:p>
             <a:fld id="{2F1821B5-37BB-41B5-BD85-7EC3A06263DA}" type="datetimeFigureOut">
               <a:rPr lang="zh-TW" altLang="en-US" smtClean="0"/>
-              <a:t>2019/5/10</a:t>
+              <a:t>2019/5/13</a:t>
             </a:fld>
             <a:endParaRPr lang="zh-TW" altLang="en-US"/>
           </a:p>
@@ -2752,7 +2757,7 @@
           <a:p>
             <a:fld id="{2F1821B5-37BB-41B5-BD85-7EC3A06263DA}" type="datetimeFigureOut">
               <a:rPr lang="zh-TW" altLang="en-US" smtClean="0"/>
-              <a:t>2019/5/10</a:t>
+              <a:t>2019/5/13</a:t>
             </a:fld>
             <a:endParaRPr lang="zh-TW" altLang="en-US"/>
           </a:p>
@@ -3240,6 +3245,425 @@
             </a:r>
             <a:r>
               <a:rPr lang="zh-TW" altLang="en-US" dirty="0" smtClean="0"/>
+              <a:t>刪除空目錄</a:t>
+            </a:r>
+            <a:r>
+              <a:rPr lang="en-US" altLang="zh-TW" dirty="0" smtClean="0"/>
+              <a:t>/</a:t>
+            </a:r>
+            <a:r>
+              <a:rPr lang="zh-TW" altLang="en-US" dirty="0" smtClean="0"/>
+              <a:t>顯示目前目錄</a:t>
+            </a:r>
+            <a:endParaRPr lang="zh-TW" altLang="en-US" dirty="0"/>
+          </a:p>
+        </p:txBody>
+      </p:sp>
+      <p:sp>
+        <p:nvSpPr>
+          <p:cNvPr id="3" name="內容版面配置區 2"/>
+          <p:cNvSpPr>
+            <a:spLocks noGrp="1"/>
+          </p:cNvSpPr>
+          <p:nvPr>
+            <p:ph idx="1"/>
+          </p:nvPr>
+        </p:nvSpPr>
+        <p:spPr>
+          <a:xfrm>
+            <a:off x="457200" y="1628800"/>
+            <a:ext cx="8229600" cy="4525963"/>
+          </a:xfrm>
+        </p:spPr>
+        <p:txBody>
+          <a:bodyPr/>
+          <a:lstStyle/>
+          <a:p>
+            <a:r>
+              <a:rPr lang="zh-TW" altLang="en-US" dirty="0" smtClean="0"/>
+              <a:t>刪除空目錄</a:t>
+            </a:r>
+            <a:r>
+              <a:rPr lang="en-US" altLang="zh-TW" dirty="0" smtClean="0"/>
+              <a:t>:</a:t>
+            </a:r>
+            <a:r>
+              <a:rPr lang="en-US" altLang="zh-TW" dirty="0" err="1" smtClean="0"/>
+              <a:t>rmdir</a:t>
+            </a:r>
+            <a:r>
+              <a:rPr lang="en-US" altLang="zh-TW" dirty="0" smtClean="0"/>
+              <a:t> [Folder name]</a:t>
+            </a:r>
+          </a:p>
+          <a:p>
+            <a:r>
+              <a:rPr lang="zh-TW" altLang="en-US" dirty="0"/>
+              <a:t>刪除目錄參數</a:t>
+            </a:r>
+            <a:r>
+              <a:rPr lang="en-US" altLang="zh-TW" dirty="0" smtClean="0"/>
+              <a:t>:-p </a:t>
+            </a:r>
+            <a:r>
+              <a:rPr lang="zh-TW" altLang="en-US" dirty="0" smtClean="0"/>
+              <a:t>連同上層目錄刪除</a:t>
+            </a:r>
+            <a:endParaRPr lang="en-US" altLang="zh-TW" dirty="0" smtClean="0"/>
+          </a:p>
+          <a:p>
+            <a:r>
+              <a:rPr lang="zh-TW" altLang="en-US" dirty="0" smtClean="0"/>
+              <a:t>刪除目錄參數</a:t>
+            </a:r>
+            <a:r>
+              <a:rPr lang="en-US" altLang="zh-TW" dirty="0" smtClean="0"/>
+              <a:t>:-r </a:t>
+            </a:r>
+            <a:r>
+              <a:rPr lang="zh-TW" altLang="en-US" dirty="0" smtClean="0"/>
+              <a:t>遞迴刪除</a:t>
+            </a:r>
+            <a:r>
+              <a:rPr lang="en-US" altLang="zh-TW" dirty="0" smtClean="0"/>
+              <a:t>(</a:t>
+            </a:r>
+            <a:r>
+              <a:rPr lang="zh-TW" altLang="en-US" dirty="0" smtClean="0"/>
+              <a:t>危險</a:t>
+            </a:r>
+            <a:r>
+              <a:rPr lang="en-US" altLang="zh-TW" dirty="0" smtClean="0"/>
+              <a:t>!)</a:t>
+            </a:r>
+          </a:p>
+          <a:p>
+            <a:r>
+              <a:rPr lang="zh-TW" altLang="en-US" dirty="0"/>
+              <a:t>顯示目前目錄</a:t>
+            </a:r>
+            <a:r>
+              <a:rPr lang="en-US" altLang="zh-TW" dirty="0"/>
+              <a:t>:</a:t>
+            </a:r>
+            <a:r>
+              <a:rPr lang="en-US" altLang="zh-TW" dirty="0" err="1"/>
+              <a:t>pwd</a:t>
+            </a:r>
+            <a:endParaRPr lang="zh-TW" altLang="en-US" dirty="0"/>
+          </a:p>
+        </p:txBody>
+      </p:sp>
+      <p:pic>
+        <p:nvPicPr>
+          <p:cNvPr id="4" name="圖片 3"/>
+          <p:cNvPicPr>
+            <a:picLocks noChangeAspect="1"/>
+          </p:cNvPicPr>
+          <p:nvPr/>
+        </p:nvPicPr>
+        <p:blipFill>
+          <a:blip r:embed="rId2"/>
+          <a:stretch>
+            <a:fillRect/>
+          </a:stretch>
+        </p:blipFill>
+        <p:spPr>
+          <a:xfrm>
+            <a:off x="1475656" y="3933056"/>
+            <a:ext cx="5328592" cy="2489920"/>
+          </a:xfrm>
+          <a:prstGeom prst="rect">
+            <a:avLst/>
+          </a:prstGeom>
+        </p:spPr>
+      </p:pic>
+      <p:sp>
+        <p:nvSpPr>
+          <p:cNvPr id="5" name="文字方塊 4"/>
+          <p:cNvSpPr txBox="1"/>
+          <p:nvPr/>
+        </p:nvSpPr>
+        <p:spPr>
+          <a:xfrm>
+            <a:off x="2555776" y="6422976"/>
+            <a:ext cx="3600400" cy="369332"/>
+          </a:xfrm>
+          <a:prstGeom prst="rect">
+            <a:avLst/>
+          </a:prstGeom>
+          <a:noFill/>
+        </p:spPr>
+        <p:txBody>
+          <a:bodyPr wrap="square" rtlCol="0">
+            <a:spAutoFit/>
+          </a:bodyPr>
+          <a:lstStyle/>
+          <a:p>
+            <a:r>
+              <a:rPr lang="zh-TW" altLang="en-US" dirty="0" smtClean="0"/>
+              <a:t>圖</a:t>
+            </a:r>
+            <a:r>
+              <a:rPr lang="en-US" altLang="zh-TW" dirty="0" smtClean="0"/>
+              <a:t>1.5</a:t>
+            </a:r>
+            <a:r>
+              <a:rPr lang="zh-TW" altLang="en-US" dirty="0" smtClean="0"/>
+              <a:t> </a:t>
+            </a:r>
+            <a:r>
+              <a:rPr lang="zh-TW" altLang="en-US" dirty="0" smtClean="0"/>
+              <a:t>使用</a:t>
+            </a:r>
+            <a:r>
+              <a:rPr lang="en-US" altLang="zh-TW" dirty="0" err="1" smtClean="0"/>
+              <a:t>rmdir</a:t>
+            </a:r>
+            <a:r>
+              <a:rPr lang="zh-TW" altLang="en-US" dirty="0" smtClean="0"/>
+              <a:t>刪除空目錄</a:t>
+            </a:r>
+            <a:endParaRPr lang="zh-TW" altLang="en-US" dirty="0"/>
+          </a:p>
+        </p:txBody>
+      </p:sp>
+    </p:spTree>
+    <p:extLst>
+      <p:ext uri="{BB962C8B-B14F-4D97-AF65-F5344CB8AC3E}">
+        <p14:creationId xmlns:p14="http://schemas.microsoft.com/office/powerpoint/2010/main" val="80622700"/>
+      </p:ext>
+    </p:extLst>
+  </p:cSld>
+  <p:clrMapOvr>
+    <a:masterClrMapping/>
+  </p:clrMapOvr>
+</p:sld>
+</file>
+
+<file path=ppt/slides/slide11.xml><?xml version="1.0" encoding="utf-8"?>
+<p:sld xmlns:a="http://schemas.openxmlformats.org/drawingml/2006/main" xmlns:r="http://schemas.openxmlformats.org/officeDocument/2006/relationships" xmlns:p="http://schemas.openxmlformats.org/presentationml/2006/main">
+  <p:cSld>
+    <p:spTree>
+      <p:nvGrpSpPr>
+        <p:cNvPr id="1" name=""/>
+        <p:cNvGrpSpPr/>
+        <p:nvPr/>
+      </p:nvGrpSpPr>
+      <p:grpSpPr>
+        <a:xfrm>
+          <a:off x="0" y="0"/>
+          <a:ext cx="0" cy="0"/>
+          <a:chOff x="0" y="0"/>
+          <a:chExt cx="0" cy="0"/>
+        </a:xfrm>
+      </p:grpSpPr>
+      <p:sp>
+        <p:nvSpPr>
+          <p:cNvPr id="2" name="標題 1"/>
+          <p:cNvSpPr>
+            <a:spLocks noGrp="1"/>
+          </p:cNvSpPr>
+          <p:nvPr>
+            <p:ph type="title"/>
+          </p:nvPr>
+        </p:nvSpPr>
+        <p:spPr/>
+        <p:txBody>
+          <a:bodyPr/>
+          <a:lstStyle/>
+          <a:p>
+            <a:r>
+              <a:rPr lang="en-US" altLang="zh-TW" dirty="0" smtClean="0"/>
+              <a:t>3.</a:t>
+            </a:r>
+            <a:r>
+              <a:rPr lang="zh-TW" altLang="en-US" dirty="0" smtClean="0"/>
+              <a:t>刪除目錄</a:t>
+            </a:r>
+            <a:r>
+              <a:rPr lang="en-US" altLang="zh-TW" dirty="0"/>
+              <a:t>/</a:t>
+            </a:r>
+            <a:r>
+              <a:rPr lang="zh-TW" altLang="en-US" dirty="0" smtClean="0"/>
+              <a:t>顯示目前目錄</a:t>
+            </a:r>
+            <a:endParaRPr lang="zh-TW" altLang="en-US" dirty="0"/>
+          </a:p>
+        </p:txBody>
+      </p:sp>
+      <p:pic>
+        <p:nvPicPr>
+          <p:cNvPr id="7170" name="Picture 2"/>
+          <p:cNvPicPr>
+            <a:picLocks noChangeAspect="1" noChangeArrowheads="1"/>
+          </p:cNvPicPr>
+          <p:nvPr/>
+        </p:nvPicPr>
+        <p:blipFill>
+          <a:blip r:embed="rId2">
+            <a:extLst>
+              <a:ext uri="{28A0092B-C50C-407E-A947-70E740481C1C}">
+                <a14:useLocalDpi xmlns:a14="http://schemas.microsoft.com/office/drawing/2010/main" val="0"/>
+              </a:ext>
+            </a:extLst>
+          </a:blip>
+          <a:srcRect/>
+          <a:stretch>
+            <a:fillRect/>
+          </a:stretch>
+        </p:blipFill>
+        <p:spPr bwMode="auto">
+          <a:xfrm>
+            <a:off x="1475656" y="1556792"/>
+            <a:ext cx="6216208" cy="3904802"/>
+          </a:xfrm>
+          <a:prstGeom prst="rect">
+            <a:avLst/>
+          </a:prstGeom>
+          <a:noFill/>
+          <a:ln>
+            <a:noFill/>
+          </a:ln>
+          <a:extLst>
+            <a:ext uri="{909E8E84-426E-40DD-AFC4-6F175D3DCCD1}">
+              <a14:hiddenFill xmlns:a14="http://schemas.microsoft.com/office/drawing/2010/main">
+                <a:solidFill>
+                  <a:schemeClr val="accent1"/>
+                </a:solidFill>
+              </a14:hiddenFill>
+            </a:ext>
+            <a:ext uri="{91240B29-F687-4F45-9708-019B960494DF}">
+              <a14:hiddenLine xmlns:a14="http://schemas.microsoft.com/office/drawing/2010/main" w="9525">
+                <a:solidFill>
+                  <a:schemeClr val="tx1"/>
+                </a:solidFill>
+                <a:miter lim="800000"/>
+                <a:headEnd/>
+                <a:tailEnd/>
+              </a14:hiddenLine>
+            </a:ext>
+          </a:extLst>
+        </p:spPr>
+      </p:pic>
+      <p:sp>
+        <p:nvSpPr>
+          <p:cNvPr id="4" name="文字方塊 3"/>
+          <p:cNvSpPr txBox="1"/>
+          <p:nvPr/>
+        </p:nvSpPr>
+        <p:spPr>
+          <a:xfrm>
+            <a:off x="1763688" y="5606606"/>
+            <a:ext cx="5640144" cy="369332"/>
+          </a:xfrm>
+          <a:prstGeom prst="rect">
+            <a:avLst/>
+          </a:prstGeom>
+          <a:noFill/>
+        </p:spPr>
+        <p:txBody>
+          <a:bodyPr wrap="square" rtlCol="0">
+            <a:spAutoFit/>
+          </a:bodyPr>
+          <a:lstStyle/>
+          <a:p>
+            <a:r>
+              <a:rPr lang="zh-TW" altLang="en-US" dirty="0" smtClean="0"/>
+              <a:t>圖</a:t>
+            </a:r>
+            <a:r>
+              <a:rPr lang="en-US" altLang="zh-TW" dirty="0" smtClean="0"/>
+              <a:t>1.6 </a:t>
+            </a:r>
+            <a:r>
+              <a:rPr lang="zh-TW" altLang="en-US" dirty="0" smtClean="0"/>
+              <a:t>在</a:t>
+            </a:r>
+            <a:r>
+              <a:rPr lang="en-US" altLang="zh-TW" dirty="0" smtClean="0"/>
+              <a:t>test4</a:t>
+            </a:r>
+            <a:r>
+              <a:rPr lang="zh-TW" altLang="en-US" dirty="0" smtClean="0"/>
+              <a:t>資料夾創立檔案</a:t>
+            </a:r>
+            <a:r>
+              <a:rPr lang="en-US" altLang="zh-TW" dirty="0" smtClean="0"/>
+              <a:t>,</a:t>
+            </a:r>
+            <a:r>
+              <a:rPr lang="zh-TW" altLang="en-US" dirty="0" smtClean="0"/>
+              <a:t>刪除時報錯</a:t>
+            </a:r>
+            <a:r>
+              <a:rPr lang="en-US" altLang="zh-TW" dirty="0" smtClean="0"/>
+              <a:t>(</a:t>
+            </a:r>
+            <a:r>
+              <a:rPr lang="zh-TW" altLang="en-US" dirty="0" smtClean="0"/>
+              <a:t>目錄非為空</a:t>
+            </a:r>
+            <a:r>
+              <a:rPr lang="en-US" altLang="zh-TW" dirty="0" smtClean="0"/>
+              <a:t>)</a:t>
+            </a:r>
+            <a:endParaRPr lang="zh-TW" altLang="en-US" dirty="0"/>
+          </a:p>
+        </p:txBody>
+      </p:sp>
+    </p:spTree>
+    <p:extLst>
+      <p:ext uri="{BB962C8B-B14F-4D97-AF65-F5344CB8AC3E}">
+        <p14:creationId xmlns:p14="http://schemas.microsoft.com/office/powerpoint/2010/main" val="2560236479"/>
+      </p:ext>
+    </p:extLst>
+  </p:cSld>
+  <p:clrMapOvr>
+    <a:masterClrMapping/>
+  </p:clrMapOvr>
+</p:sld>
+</file>
+
+<file path=ppt/slides/slide12.xml><?xml version="1.0" encoding="utf-8"?>
+<p:sld xmlns:a="http://schemas.openxmlformats.org/drawingml/2006/main" xmlns:r="http://schemas.openxmlformats.org/officeDocument/2006/relationships" xmlns:p="http://schemas.openxmlformats.org/presentationml/2006/main">
+  <p:cSld>
+    <p:spTree>
+      <p:nvGrpSpPr>
+        <p:cNvPr id="1" name=""/>
+        <p:cNvGrpSpPr/>
+        <p:nvPr/>
+      </p:nvGrpSpPr>
+      <p:grpSpPr>
+        <a:xfrm>
+          <a:off x="0" y="0"/>
+          <a:ext cx="0" cy="0"/>
+          <a:chOff x="0" y="0"/>
+          <a:chExt cx="0" cy="0"/>
+        </a:xfrm>
+      </p:grpSpPr>
+      <p:sp>
+        <p:nvSpPr>
+          <p:cNvPr id="2" name="標題 1"/>
+          <p:cNvSpPr>
+            <a:spLocks noGrp="1"/>
+          </p:cNvSpPr>
+          <p:nvPr>
+            <p:ph type="title"/>
+          </p:nvPr>
+        </p:nvSpPr>
+        <p:spPr/>
+        <p:txBody>
+          <a:bodyPr/>
+          <a:lstStyle/>
+          <a:p>
+            <a:r>
+              <a:rPr lang="en-US" altLang="zh-TW" dirty="0" smtClean="0"/>
+              <a:t>3.</a:t>
+            </a:r>
+            <a:r>
+              <a:rPr lang="zh-TW" altLang="en-US" dirty="0" smtClean="0"/>
               <a:t>刪除目錄</a:t>
             </a:r>
             <a:r>
@@ -3336,7 +3760,7 @@
             </a:r>
             <a:r>
               <a:rPr lang="en-US" altLang="zh-TW" dirty="0" smtClean="0"/>
-              <a:t>1.6 </a:t>
+              <a:t>1.7 </a:t>
             </a:r>
             <a:r>
               <a:rPr lang="zh-TW" altLang="en-US" dirty="0" smtClean="0"/>
@@ -3448,7 +3872,7 @@
             </a:r>
             <a:r>
               <a:rPr lang="en-US" altLang="zh-TW" dirty="0" smtClean="0"/>
-              <a:t>1.7 </a:t>
+              <a:t>1.8 </a:t>
             </a:r>
             <a:r>
               <a:rPr lang="zh-TW" altLang="en-US" dirty="0" smtClean="0"/>
@@ -3479,7 +3903,7 @@
 </p:sld>
 </file>
 
-<file path=ppt/slides/slide11.xml><?xml version="1.0" encoding="utf-8"?>
+<file path=ppt/slides/slide13.xml><?xml version="1.0" encoding="utf-8"?>
 <p:sld xmlns:a="http://schemas.openxmlformats.org/drawingml/2006/main" xmlns:r="http://schemas.openxmlformats.org/officeDocument/2006/relationships" xmlns:p="http://schemas.openxmlformats.org/presentationml/2006/main">
   <p:cSld>
     <p:spTree>
@@ -3688,7 +4112,7 @@
             </a:r>
             <a:r>
               <a:rPr lang="en-US" altLang="zh-TW" dirty="0" smtClean="0"/>
-              <a:t>1.8 </a:t>
+              <a:t>1.9 </a:t>
             </a:r>
             <a:r>
               <a:rPr lang="zh-TW" altLang="en-US" dirty="0" smtClean="0"/>
@@ -3734,7 +4158,7 @@
             </a:r>
             <a:r>
               <a:rPr lang="en-US" altLang="zh-TW" dirty="0" smtClean="0"/>
-              <a:t>1.9 </a:t>
+              <a:t>1.10 </a:t>
             </a:r>
             <a:r>
               <a:rPr lang="zh-TW" altLang="en-US" dirty="0" smtClean="0"/>
@@ -3773,7 +4197,7 @@
 </p:sld>
 </file>
 
-<file path=ppt/slides/slide12.xml><?xml version="1.0" encoding="utf-8"?>
+<file path=ppt/slides/slide14.xml><?xml version="1.0" encoding="utf-8"?>
 <p:sld xmlns:a="http://schemas.openxmlformats.org/drawingml/2006/main" xmlns:r="http://schemas.openxmlformats.org/officeDocument/2006/relationships" xmlns:p="http://schemas.openxmlformats.org/presentationml/2006/main">
   <p:cSld>
     <p:spTree>
@@ -3863,11 +4287,7 @@
             </a:r>
             <a:r>
               <a:rPr lang="en-US" altLang="zh-TW" dirty="0" smtClean="0"/>
-              <a:t>(Recursive</a:t>
-            </a:r>
-            <a:r>
-              <a:rPr lang="en-US" altLang="zh-TW" dirty="0" smtClean="0"/>
-              <a:t>)</a:t>
+              <a:t>(Recursive)</a:t>
             </a:r>
           </a:p>
           <a:p>
@@ -3958,7 +4378,7 @@
 </p:sld>
 </file>
 
-<file path=ppt/slides/slide13.xml><?xml version="1.0" encoding="utf-8"?>
+<file path=ppt/slides/slide15.xml><?xml version="1.0" encoding="utf-8"?>
 <p:sld xmlns:a="http://schemas.openxmlformats.org/drawingml/2006/main" xmlns:r="http://schemas.openxmlformats.org/officeDocument/2006/relationships" xmlns:p="http://schemas.openxmlformats.org/presentationml/2006/main">
   <p:cSld>
     <p:spTree>
@@ -4084,7 +4504,7 @@
             </a:r>
             <a:r>
               <a:rPr lang="en-US" altLang="zh-TW" dirty="0" smtClean="0"/>
-              <a:t>1.10 </a:t>
+              <a:t>1.11 </a:t>
             </a:r>
             <a:r>
               <a:rPr lang="zh-TW" altLang="en-US" dirty="0"/>
@@ -4183,7 +4603,7 @@
             </a:r>
             <a:r>
               <a:rPr lang="en-US" altLang="zh-TW" dirty="0" smtClean="0"/>
-              <a:t>1.11 </a:t>
+              <a:t>1.12 </a:t>
             </a:r>
             <a:r>
               <a:rPr lang="zh-TW" altLang="en-US" dirty="0" smtClean="0"/>
@@ -4214,7 +4634,7 @@
 </p:sld>
 </file>
 
-<file path=ppt/slides/slide14.xml><?xml version="1.0" encoding="utf-8"?>
+<file path=ppt/slides/slide16.xml><?xml version="1.0" encoding="utf-8"?>
 <p:sld xmlns:a="http://schemas.openxmlformats.org/drawingml/2006/main" xmlns:r="http://schemas.openxmlformats.org/officeDocument/2006/relationships" xmlns:p="http://schemas.openxmlformats.org/presentationml/2006/main">
   <p:cSld>
     <p:spTree>
@@ -4340,7 +4760,7 @@
             </a:r>
             <a:r>
               <a:rPr lang="en-US" altLang="zh-TW" dirty="0" smtClean="0"/>
-              <a:t>1.12 </a:t>
+              <a:t>1.13 </a:t>
             </a:r>
             <a:r>
               <a:rPr lang="zh-TW" altLang="en-US" dirty="0" smtClean="0"/>
@@ -4392,7 +4812,7 @@
 </p:sld>
 </file>
 
-<file path=ppt/slides/slide15.xml><?xml version="1.0" encoding="utf-8"?>
+<file path=ppt/slides/slide17.xml><?xml version="1.0" encoding="utf-8"?>
 <p:sld xmlns:a="http://schemas.openxmlformats.org/drawingml/2006/main" xmlns:r="http://schemas.openxmlformats.org/officeDocument/2006/relationships" xmlns:p="http://schemas.openxmlformats.org/presentationml/2006/main">
   <p:cSld>
     <p:spTree>
@@ -4582,7 +5002,7 @@
 </p:sld>
 </file>
 
-<file path=ppt/slides/slide16.xml><?xml version="1.0" encoding="utf-8"?>
+<file path=ppt/slides/slide18.xml><?xml version="1.0" encoding="utf-8"?>
 <p:sld xmlns:a="http://schemas.openxmlformats.org/drawingml/2006/main" xmlns:r="http://schemas.openxmlformats.org/officeDocument/2006/relationships" xmlns:p="http://schemas.openxmlformats.org/presentationml/2006/main">
   <p:cSld>
     <p:spTree>
@@ -4654,7 +5074,7 @@
             </a:r>
             <a:r>
               <a:rPr lang="en-US" altLang="zh-TW" dirty="0" smtClean="0"/>
-              <a:t>1.13 </a:t>
+              <a:t>1.14 </a:t>
             </a:r>
             <a:r>
               <a:rPr lang="zh-TW" altLang="en-US" dirty="0" smtClean="0"/>
@@ -4755,7 +5175,7 @@
 </p:sld>
 </file>
 
-<file path=ppt/slides/slide17.xml><?xml version="1.0" encoding="utf-8"?>
+<file path=ppt/slides/slide19.xml><?xml version="1.0" encoding="utf-8"?>
 <p:sld xmlns:a="http://schemas.openxmlformats.org/drawingml/2006/main" xmlns:r="http://schemas.openxmlformats.org/officeDocument/2006/relationships" xmlns:p="http://schemas.openxmlformats.org/presentationml/2006/main">
   <p:cSld>
     <p:spTree>
@@ -4881,7 +5301,7 @@
             </a:r>
             <a:r>
               <a:rPr lang="en-US" altLang="zh-TW" dirty="0" smtClean="0"/>
-              <a:t>1.14 </a:t>
+              <a:t>1.15 </a:t>
             </a:r>
             <a:r>
               <a:rPr lang="zh-TW" altLang="en-US" dirty="0" smtClean="0"/>
@@ -5021,6 +5441,422 @@
 </p:sld>
 </file>
 
+<file path=ppt/slides/slide20.xml><?xml version="1.0" encoding="utf-8"?>
+<p:sld xmlns:a="http://schemas.openxmlformats.org/drawingml/2006/main" xmlns:r="http://schemas.openxmlformats.org/officeDocument/2006/relationships" xmlns:p="http://schemas.openxmlformats.org/presentationml/2006/main">
+  <p:cSld>
+    <p:spTree>
+      <p:nvGrpSpPr>
+        <p:cNvPr id="1" name=""/>
+        <p:cNvGrpSpPr/>
+        <p:nvPr/>
+      </p:nvGrpSpPr>
+      <p:grpSpPr>
+        <a:xfrm>
+          <a:off x="0" y="0"/>
+          <a:ext cx="0" cy="0"/>
+          <a:chOff x="0" y="0"/>
+          <a:chExt cx="0" cy="0"/>
+        </a:xfrm>
+      </p:grpSpPr>
+      <p:sp>
+        <p:nvSpPr>
+          <p:cNvPr id="2" name="標題 1"/>
+          <p:cNvSpPr>
+            <a:spLocks noGrp="1"/>
+          </p:cNvSpPr>
+          <p:nvPr>
+            <p:ph type="title"/>
+          </p:nvPr>
+        </p:nvSpPr>
+        <p:spPr/>
+        <p:txBody>
+          <a:bodyPr/>
+          <a:lstStyle/>
+          <a:p>
+            <a:r>
+              <a:rPr lang="zh-TW" altLang="en-US" dirty="0" smtClean="0"/>
+              <a:t>檢視檔案</a:t>
+            </a:r>
+            <a:endParaRPr lang="zh-TW" altLang="en-US" dirty="0"/>
+          </a:p>
+        </p:txBody>
+      </p:sp>
+      <p:sp>
+        <p:nvSpPr>
+          <p:cNvPr id="3" name="內容版面配置區 2"/>
+          <p:cNvSpPr>
+            <a:spLocks noGrp="1"/>
+          </p:cNvSpPr>
+          <p:nvPr>
+            <p:ph idx="1"/>
+          </p:nvPr>
+        </p:nvSpPr>
+        <p:spPr/>
+        <p:txBody>
+          <a:bodyPr/>
+          <a:lstStyle/>
+          <a:p>
+            <a:r>
+              <a:rPr lang="en-US" altLang="zh-TW" dirty="0" smtClean="0"/>
+              <a:t>cat [filename]:</a:t>
+            </a:r>
+            <a:r>
+              <a:rPr lang="zh-TW" altLang="en-US" dirty="0" smtClean="0"/>
+              <a:t>檢視檔案</a:t>
+            </a:r>
+            <a:endParaRPr lang="en-US" altLang="zh-TW" dirty="0" smtClean="0"/>
+          </a:p>
+          <a:p>
+            <a:r>
+              <a:rPr lang="en-US" altLang="zh-TW" dirty="0"/>
+              <a:t>h</a:t>
+            </a:r>
+            <a:r>
+              <a:rPr lang="en-US" altLang="zh-TW" dirty="0" smtClean="0"/>
+              <a:t>ead [filename] -n m:</a:t>
+            </a:r>
+            <a:r>
+              <a:rPr lang="zh-TW" altLang="en-US" dirty="0" smtClean="0"/>
+              <a:t>顯示前</a:t>
+            </a:r>
+            <a:r>
+              <a:rPr lang="en-US" altLang="zh-TW" dirty="0" smtClean="0"/>
+              <a:t>m</a:t>
+            </a:r>
+            <a:r>
+              <a:rPr lang="zh-TW" altLang="en-US" dirty="0" smtClean="0"/>
+              <a:t>行檔案</a:t>
+            </a:r>
+            <a:endParaRPr lang="en-US" altLang="zh-TW" dirty="0" smtClean="0"/>
+          </a:p>
+          <a:p>
+            <a:r>
+              <a:rPr lang="en-US" altLang="zh-TW" dirty="0" smtClean="0"/>
+              <a:t>tail [filename] -n m:</a:t>
+            </a:r>
+            <a:r>
+              <a:rPr lang="zh-TW" altLang="en-US" dirty="0" smtClean="0"/>
+              <a:t>顯示後</a:t>
+            </a:r>
+            <a:r>
+              <a:rPr lang="en-US" altLang="zh-TW" dirty="0" smtClean="0"/>
+              <a:t>m</a:t>
+            </a:r>
+            <a:r>
+              <a:rPr lang="zh-TW" altLang="en-US" dirty="0" smtClean="0"/>
+              <a:t>行檔案</a:t>
+            </a:r>
+            <a:endParaRPr lang="en-US" altLang="zh-TW" dirty="0" smtClean="0"/>
+          </a:p>
+          <a:p>
+            <a:r>
+              <a:rPr lang="zh-TW" altLang="en-US" dirty="0" smtClean="0"/>
+              <a:t>組合操作</a:t>
+            </a:r>
+            <a:r>
+              <a:rPr lang="en-US" altLang="zh-TW" dirty="0" smtClean="0"/>
+              <a:t>:</a:t>
+            </a:r>
+            <a:r>
+              <a:rPr lang="zh-TW" altLang="en-US" dirty="0" smtClean="0"/>
+              <a:t> 以 </a:t>
+            </a:r>
+            <a:r>
+              <a:rPr lang="en-US" altLang="zh-TW" dirty="0" smtClean="0"/>
+              <a:t>‘|’</a:t>
+            </a:r>
+            <a:r>
+              <a:rPr lang="zh-TW" altLang="en-US" dirty="0" smtClean="0"/>
+              <a:t>串聯</a:t>
+            </a:r>
+            <a:endParaRPr lang="zh-TW" altLang="en-US" dirty="0"/>
+          </a:p>
+        </p:txBody>
+      </p:sp>
+    </p:spTree>
+    <p:extLst>
+      <p:ext uri="{BB962C8B-B14F-4D97-AF65-F5344CB8AC3E}">
+        <p14:creationId xmlns:p14="http://schemas.microsoft.com/office/powerpoint/2010/main" val="2981285434"/>
+      </p:ext>
+    </p:extLst>
+  </p:cSld>
+  <p:clrMapOvr>
+    <a:masterClrMapping/>
+  </p:clrMapOvr>
+</p:sld>
+</file>
+
+<file path=ppt/slides/slide21.xml><?xml version="1.0" encoding="utf-8"?>
+<p:sld xmlns:a="http://schemas.openxmlformats.org/drawingml/2006/main" xmlns:r="http://schemas.openxmlformats.org/officeDocument/2006/relationships" xmlns:p="http://schemas.openxmlformats.org/presentationml/2006/main">
+  <p:cSld>
+    <p:spTree>
+      <p:nvGrpSpPr>
+        <p:cNvPr id="1" name=""/>
+        <p:cNvGrpSpPr/>
+        <p:nvPr/>
+      </p:nvGrpSpPr>
+      <p:grpSpPr>
+        <a:xfrm>
+          <a:off x="0" y="0"/>
+          <a:ext cx="0" cy="0"/>
+          <a:chOff x="0" y="0"/>
+          <a:chExt cx="0" cy="0"/>
+        </a:xfrm>
+      </p:grpSpPr>
+      <p:sp>
+        <p:nvSpPr>
+          <p:cNvPr id="2" name="標題 1"/>
+          <p:cNvSpPr>
+            <a:spLocks noGrp="1"/>
+          </p:cNvSpPr>
+          <p:nvPr>
+            <p:ph type="title"/>
+          </p:nvPr>
+        </p:nvSpPr>
+        <p:spPr/>
+        <p:txBody>
+          <a:bodyPr/>
+          <a:lstStyle/>
+          <a:p>
+            <a:r>
+              <a:rPr lang="zh-TW" altLang="en-US" dirty="0"/>
+              <a:t>檢視檔案</a:t>
+            </a:r>
+          </a:p>
+        </p:txBody>
+      </p:sp>
+      <p:pic>
+        <p:nvPicPr>
+          <p:cNvPr id="4" name="內容版面配置區 3"/>
+          <p:cNvPicPr>
+            <a:picLocks noGrp="1" noChangeAspect="1"/>
+          </p:cNvPicPr>
+          <p:nvPr>
+            <p:ph idx="1"/>
+          </p:nvPr>
+        </p:nvPicPr>
+        <p:blipFill rotWithShape="1">
+          <a:blip r:embed="rId2">
+            <a:extLst>
+              <a:ext uri="{28A0092B-C50C-407E-A947-70E740481C1C}">
+                <a14:useLocalDpi xmlns:a14="http://schemas.microsoft.com/office/drawing/2010/main" val="0"/>
+              </a:ext>
+            </a:extLst>
+          </a:blip>
+          <a:srcRect l="14203" t="13360" r="14203" b="23000"/>
+          <a:stretch/>
+        </p:blipFill>
+        <p:spPr>
+          <a:xfrm>
+            <a:off x="1187624" y="1340768"/>
+            <a:ext cx="6768752" cy="4512501"/>
+          </a:xfrm>
+          <a:ln>
+            <a:solidFill>
+              <a:schemeClr val="tx1"/>
+            </a:solidFill>
+          </a:ln>
+        </p:spPr>
+      </p:pic>
+      <p:sp>
+        <p:nvSpPr>
+          <p:cNvPr id="5" name="文字方塊 4"/>
+          <p:cNvSpPr txBox="1"/>
+          <p:nvPr/>
+        </p:nvSpPr>
+        <p:spPr>
+          <a:xfrm>
+            <a:off x="2483768" y="5853269"/>
+            <a:ext cx="4248472" cy="369332"/>
+          </a:xfrm>
+          <a:prstGeom prst="rect">
+            <a:avLst/>
+          </a:prstGeom>
+          <a:noFill/>
+        </p:spPr>
+        <p:txBody>
+          <a:bodyPr wrap="square" rtlCol="0">
+            <a:spAutoFit/>
+          </a:bodyPr>
+          <a:lstStyle/>
+          <a:p>
+            <a:r>
+              <a:rPr lang="zh-TW" altLang="en-US" dirty="0" smtClean="0"/>
+              <a:t>圖</a:t>
+            </a:r>
+            <a:r>
+              <a:rPr lang="en-US" altLang="zh-TW" dirty="0" smtClean="0"/>
+              <a:t>1.16</a:t>
+            </a:r>
+            <a:r>
+              <a:rPr lang="zh-TW" altLang="en-US" dirty="0" smtClean="0"/>
+              <a:t> 使用</a:t>
+            </a:r>
+            <a:r>
+              <a:rPr lang="en-US" altLang="zh-TW" dirty="0" smtClean="0"/>
+              <a:t>cat</a:t>
+            </a:r>
+            <a:r>
+              <a:rPr lang="zh-TW" altLang="en-US" dirty="0" smtClean="0"/>
+              <a:t>取出前五行再取後兩行</a:t>
+            </a:r>
+            <a:endParaRPr lang="zh-TW" altLang="en-US" dirty="0"/>
+          </a:p>
+        </p:txBody>
+      </p:sp>
+    </p:spTree>
+    <p:extLst>
+      <p:ext uri="{BB962C8B-B14F-4D97-AF65-F5344CB8AC3E}">
+        <p14:creationId xmlns:p14="http://schemas.microsoft.com/office/powerpoint/2010/main" val="1111979419"/>
+      </p:ext>
+    </p:extLst>
+  </p:cSld>
+  <p:clrMapOvr>
+    <a:masterClrMapping/>
+  </p:clrMapOvr>
+</p:sld>
+</file>
+
+<file path=ppt/slides/slide22.xml><?xml version="1.0" encoding="utf-8"?>
+<p:sld xmlns:a="http://schemas.openxmlformats.org/drawingml/2006/main" xmlns:r="http://schemas.openxmlformats.org/officeDocument/2006/relationships" xmlns:p="http://schemas.openxmlformats.org/presentationml/2006/main">
+  <p:cSld>
+    <p:spTree>
+      <p:nvGrpSpPr>
+        <p:cNvPr id="1" name=""/>
+        <p:cNvGrpSpPr/>
+        <p:nvPr/>
+      </p:nvGrpSpPr>
+      <p:grpSpPr>
+        <a:xfrm>
+          <a:off x="0" y="0"/>
+          <a:ext cx="0" cy="0"/>
+          <a:chOff x="0" y="0"/>
+          <a:chExt cx="0" cy="0"/>
+        </a:xfrm>
+      </p:grpSpPr>
+      <p:sp>
+        <p:nvSpPr>
+          <p:cNvPr id="2" name="標題 1"/>
+          <p:cNvSpPr>
+            <a:spLocks noGrp="1"/>
+          </p:cNvSpPr>
+          <p:nvPr>
+            <p:ph type="title"/>
+          </p:nvPr>
+        </p:nvSpPr>
+        <p:spPr/>
+        <p:txBody>
+          <a:bodyPr/>
+          <a:lstStyle/>
+          <a:p>
+            <a:r>
+              <a:rPr lang="zh-TW" altLang="en-US" dirty="0"/>
+              <a:t>檢視檔案</a:t>
+            </a:r>
+          </a:p>
+        </p:txBody>
+      </p:sp>
+      <p:pic>
+        <p:nvPicPr>
+          <p:cNvPr id="4" name="圖片 3"/>
+          <p:cNvPicPr>
+            <a:picLocks noChangeAspect="1"/>
+          </p:cNvPicPr>
+          <p:nvPr/>
+        </p:nvPicPr>
+        <p:blipFill rotWithShape="1">
+          <a:blip r:embed="rId2">
+            <a:extLst>
+              <a:ext uri="{28A0092B-C50C-407E-A947-70E740481C1C}">
+                <a14:useLocalDpi xmlns:a14="http://schemas.microsoft.com/office/drawing/2010/main" val="0"/>
+              </a:ext>
+            </a:extLst>
+          </a:blip>
+          <a:srcRect l="13910" t="12504" r="14377" b="22502"/>
+          <a:stretch/>
+        </p:blipFill>
+        <p:spPr>
+          <a:xfrm>
+            <a:off x="1007604" y="1268760"/>
+            <a:ext cx="7128792" cy="4845715"/>
+          </a:xfrm>
+          <a:prstGeom prst="rect">
+            <a:avLst/>
+          </a:prstGeom>
+          <a:ln>
+            <a:solidFill>
+              <a:schemeClr val="tx1"/>
+            </a:solidFill>
+          </a:ln>
+        </p:spPr>
+      </p:pic>
+      <p:sp>
+        <p:nvSpPr>
+          <p:cNvPr id="5" name="文字方塊 4"/>
+          <p:cNvSpPr txBox="1"/>
+          <p:nvPr/>
+        </p:nvSpPr>
+        <p:spPr>
+          <a:xfrm>
+            <a:off x="2159732" y="6120758"/>
+            <a:ext cx="4824536" cy="369332"/>
+          </a:xfrm>
+          <a:prstGeom prst="rect">
+            <a:avLst/>
+          </a:prstGeom>
+          <a:noFill/>
+        </p:spPr>
+        <p:txBody>
+          <a:bodyPr wrap="square" rtlCol="0">
+            <a:spAutoFit/>
+          </a:bodyPr>
+          <a:lstStyle/>
+          <a:p>
+            <a:r>
+              <a:rPr lang="zh-TW" altLang="en-US" dirty="0" smtClean="0"/>
+              <a:t>圖</a:t>
+            </a:r>
+            <a:r>
+              <a:rPr lang="en-US" altLang="zh-TW" dirty="0" smtClean="0"/>
+              <a:t>1.17</a:t>
+            </a:r>
+            <a:r>
+              <a:rPr lang="zh-TW" altLang="en-US" dirty="0" smtClean="0"/>
+              <a:t> 使用</a:t>
+            </a:r>
+            <a:r>
+              <a:rPr lang="en-US" altLang="zh-TW" dirty="0" smtClean="0"/>
+              <a:t>head</a:t>
+            </a:r>
+            <a:r>
+              <a:rPr lang="zh-TW" altLang="en-US" dirty="0" smtClean="0"/>
+              <a:t>與</a:t>
+            </a:r>
+            <a:r>
+              <a:rPr lang="en-US" altLang="zh-TW" dirty="0" smtClean="0"/>
+              <a:t>tail</a:t>
+            </a:r>
+            <a:r>
+              <a:rPr lang="zh-TW" altLang="en-US" dirty="0" smtClean="0"/>
+              <a:t>分別讀出前五行與後五行</a:t>
+            </a:r>
+            <a:endParaRPr lang="zh-TW" altLang="en-US" dirty="0"/>
+          </a:p>
+        </p:txBody>
+      </p:sp>
+    </p:spTree>
+    <p:extLst>
+      <p:ext uri="{BB962C8B-B14F-4D97-AF65-F5344CB8AC3E}">
+        <p14:creationId xmlns:p14="http://schemas.microsoft.com/office/powerpoint/2010/main" val="2182995009"/>
+      </p:ext>
+    </p:extLst>
+  </p:cSld>
+  <p:clrMapOvr>
+    <a:masterClrMapping/>
+  </p:clrMapOvr>
+</p:sld>
+</file>
+
 <file path=ppt/slides/slide3.xml><?xml version="1.0" encoding="utf-8"?>
 <p:sld xmlns:a="http://schemas.openxmlformats.org/drawingml/2006/main" xmlns:r="http://schemas.openxmlformats.org/officeDocument/2006/relationships" xmlns:p="http://schemas.openxmlformats.org/presentationml/2006/main">
   <p:cSld>
@@ -5054,6 +5890,108 @@
           <a:lstStyle/>
           <a:p>
             <a:r>
+              <a:rPr lang="zh-TW" altLang="en-US" dirty="0"/>
+              <a:t>使用系統</a:t>
+            </a:r>
+          </a:p>
+        </p:txBody>
+      </p:sp>
+      <p:sp>
+        <p:nvSpPr>
+          <p:cNvPr id="3" name="內容版面配置區 2"/>
+          <p:cNvSpPr>
+            <a:spLocks noGrp="1"/>
+          </p:cNvSpPr>
+          <p:nvPr>
+            <p:ph idx="1"/>
+          </p:nvPr>
+        </p:nvSpPr>
+        <p:spPr/>
+        <p:txBody>
+          <a:bodyPr/>
+          <a:lstStyle/>
+          <a:p>
+            <a:r>
+              <a:rPr lang="en-US" altLang="zh-TW" dirty="0"/>
+              <a:t>CentOS7+VirtualBox</a:t>
+            </a:r>
+            <a:endParaRPr lang="zh-TW" altLang="en-US" dirty="0"/>
+          </a:p>
+          <a:p>
+            <a:endParaRPr lang="zh-TW" altLang="en-US" dirty="0"/>
+          </a:p>
+        </p:txBody>
+      </p:sp>
+      <p:pic>
+        <p:nvPicPr>
+          <p:cNvPr id="4" name="圖片 3"/>
+          <p:cNvPicPr>
+            <a:picLocks noChangeAspect="1"/>
+          </p:cNvPicPr>
+          <p:nvPr/>
+        </p:nvPicPr>
+        <p:blipFill>
+          <a:blip r:embed="rId2"/>
+          <a:stretch>
+            <a:fillRect/>
+          </a:stretch>
+        </p:blipFill>
+        <p:spPr>
+          <a:xfrm>
+            <a:off x="1979712" y="2204864"/>
+            <a:ext cx="5043352" cy="4252238"/>
+          </a:xfrm>
+          <a:prstGeom prst="rect">
+            <a:avLst/>
+          </a:prstGeom>
+        </p:spPr>
+      </p:pic>
+    </p:spTree>
+    <p:extLst>
+      <p:ext uri="{BB962C8B-B14F-4D97-AF65-F5344CB8AC3E}">
+        <p14:creationId xmlns:p14="http://schemas.microsoft.com/office/powerpoint/2010/main" val="2663033384"/>
+      </p:ext>
+    </p:extLst>
+  </p:cSld>
+  <p:clrMapOvr>
+    <a:masterClrMapping/>
+  </p:clrMapOvr>
+</p:sld>
+</file>
+
+<file path=ppt/slides/slide4.xml><?xml version="1.0" encoding="utf-8"?>
+<p:sld xmlns:a="http://schemas.openxmlformats.org/drawingml/2006/main" xmlns:r="http://schemas.openxmlformats.org/officeDocument/2006/relationships" xmlns:p="http://schemas.openxmlformats.org/presentationml/2006/main">
+  <p:cSld>
+    <p:spTree>
+      <p:nvGrpSpPr>
+        <p:cNvPr id="1" name=""/>
+        <p:cNvGrpSpPr/>
+        <p:nvPr/>
+      </p:nvGrpSpPr>
+      <p:grpSpPr>
+        <a:xfrm>
+          <a:off x="0" y="0"/>
+          <a:ext cx="0" cy="0"/>
+          <a:chOff x="0" y="0"/>
+          <a:chExt cx="0" cy="0"/>
+        </a:xfrm>
+      </p:grpSpPr>
+      <p:sp>
+        <p:nvSpPr>
+          <p:cNvPr id="2" name="標題 1"/>
+          <p:cNvSpPr>
+            <a:spLocks noGrp="1"/>
+          </p:cNvSpPr>
+          <p:nvPr>
+            <p:ph type="title"/>
+          </p:nvPr>
+        </p:nvSpPr>
+        <p:spPr/>
+        <p:txBody>
+          <a:bodyPr/>
+          <a:lstStyle/>
+          <a:p>
+            <a:r>
               <a:rPr lang="en-US" altLang="zh-TW" dirty="0" smtClean="0"/>
               <a:t>1.</a:t>
             </a:r>
@@ -5232,7 +6170,7 @@
 </p:sld>
 </file>
 
-<file path=ppt/slides/slide4.xml><?xml version="1.0" encoding="utf-8"?>
+<file path=ppt/slides/slide5.xml><?xml version="1.0" encoding="utf-8"?>
 <p:sld xmlns:a="http://schemas.openxmlformats.org/drawingml/2006/main" xmlns:r="http://schemas.openxmlformats.org/officeDocument/2006/relationships" xmlns:p="http://schemas.openxmlformats.org/presentationml/2006/main">
   <p:cSld>
     <p:spTree>
@@ -5391,7 +6329,7 @@
 </p:sld>
 </file>
 
-<file path=ppt/slides/slide5.xml><?xml version="1.0" encoding="utf-8"?>
+<file path=ppt/slides/slide6.xml><?xml version="1.0" encoding="utf-8"?>
 <p:sld xmlns:a="http://schemas.openxmlformats.org/drawingml/2006/main" xmlns:r="http://schemas.openxmlformats.org/officeDocument/2006/relationships" xmlns:p="http://schemas.openxmlformats.org/presentationml/2006/main">
   <p:cSld>
     <p:spTree>
@@ -5424,6 +6362,162 @@
           <a:lstStyle/>
           <a:p>
             <a:r>
+              <a:rPr lang="en-US" altLang="zh-TW" dirty="0"/>
+              <a:t>l</a:t>
+            </a:r>
+            <a:r>
+              <a:rPr lang="en-US" altLang="zh-TW" dirty="0" smtClean="0"/>
+              <a:t>s -l</a:t>
+            </a:r>
+            <a:r>
+              <a:rPr lang="zh-TW" altLang="en-US" dirty="0" smtClean="0"/>
+              <a:t>簡寫</a:t>
+            </a:r>
+            <a:endParaRPr lang="zh-TW" altLang="en-US" dirty="0"/>
+          </a:p>
+        </p:txBody>
+      </p:sp>
+      <p:pic>
+        <p:nvPicPr>
+          <p:cNvPr id="4" name="內容版面配置區 3"/>
+          <p:cNvPicPr>
+            <a:picLocks noGrp="1" noChangeAspect="1"/>
+          </p:cNvPicPr>
+          <p:nvPr>
+            <p:ph idx="1"/>
+          </p:nvPr>
+        </p:nvPicPr>
+        <p:blipFill rotWithShape="1">
+          <a:blip r:embed="rId2">
+            <a:extLst>
+              <a:ext uri="{28A0092B-C50C-407E-A947-70E740481C1C}">
+                <a14:useLocalDpi xmlns:a14="http://schemas.microsoft.com/office/drawing/2010/main" val="0"/>
+              </a:ext>
+            </a:extLst>
+          </a:blip>
+          <a:srcRect l="13785" t="12526" r="14240" b="22621"/>
+          <a:stretch/>
+        </p:blipFill>
+        <p:spPr>
+          <a:xfrm>
+            <a:off x="1259632" y="1394774"/>
+            <a:ext cx="6480720" cy="4379602"/>
+          </a:xfrm>
+          <a:ln>
+            <a:solidFill>
+              <a:schemeClr val="tx1"/>
+            </a:solidFill>
+          </a:ln>
+        </p:spPr>
+      </p:pic>
+      <p:sp>
+        <p:nvSpPr>
+          <p:cNvPr id="5" name="文字方塊 4"/>
+          <p:cNvSpPr txBox="1"/>
+          <p:nvPr/>
+        </p:nvSpPr>
+        <p:spPr>
+          <a:xfrm>
+            <a:off x="3491880" y="5877272"/>
+            <a:ext cx="2016224" cy="369332"/>
+          </a:xfrm>
+          <a:prstGeom prst="rect">
+            <a:avLst/>
+          </a:prstGeom>
+          <a:noFill/>
+        </p:spPr>
+        <p:txBody>
+          <a:bodyPr wrap="square" rtlCol="0">
+            <a:spAutoFit/>
+          </a:bodyPr>
+          <a:lstStyle/>
+          <a:p>
+            <a:r>
+              <a:rPr lang="zh-TW" altLang="en-US" dirty="0" smtClean="0"/>
+              <a:t>圖</a:t>
+            </a:r>
+            <a:r>
+              <a:rPr lang="en-US" altLang="zh-TW" dirty="0" smtClean="0"/>
+              <a:t>1.2</a:t>
+            </a:r>
+            <a:r>
+              <a:rPr lang="zh-TW" altLang="en-US" dirty="0" smtClean="0"/>
+              <a:t> </a:t>
+            </a:r>
+            <a:r>
+              <a:rPr lang="en-US" altLang="zh-TW" dirty="0" smtClean="0"/>
+              <a:t>ls</a:t>
+            </a:r>
+            <a:r>
+              <a:rPr lang="zh-TW" altLang="en-US" dirty="0"/>
+              <a:t> </a:t>
+            </a:r>
+            <a:r>
+              <a:rPr lang="en-US" altLang="zh-TW" dirty="0" smtClean="0"/>
+              <a:t>–l</a:t>
+            </a:r>
+            <a:r>
+              <a:rPr lang="zh-TW" altLang="en-US" dirty="0" smtClean="0"/>
+              <a:t>與</a:t>
+            </a:r>
+            <a:r>
+              <a:rPr lang="en-US" altLang="zh-TW" dirty="0" err="1" smtClean="0"/>
+              <a:t>ll</a:t>
+            </a:r>
+            <a:r>
+              <a:rPr lang="zh-TW" altLang="en-US" dirty="0" smtClean="0"/>
+              <a:t>同義</a:t>
+            </a:r>
+            <a:endParaRPr lang="zh-TW" altLang="en-US" dirty="0"/>
+          </a:p>
+        </p:txBody>
+      </p:sp>
+    </p:spTree>
+    <p:extLst>
+      <p:ext uri="{BB962C8B-B14F-4D97-AF65-F5344CB8AC3E}">
+        <p14:creationId xmlns:p14="http://schemas.microsoft.com/office/powerpoint/2010/main" val="2986953835"/>
+      </p:ext>
+    </p:extLst>
+  </p:cSld>
+  <p:clrMapOvr>
+    <a:masterClrMapping/>
+  </p:clrMapOvr>
+</p:sld>
+</file>
+
+<file path=ppt/slides/slide7.xml><?xml version="1.0" encoding="utf-8"?>
+<p:sld xmlns:a="http://schemas.openxmlformats.org/drawingml/2006/main" xmlns:r="http://schemas.openxmlformats.org/officeDocument/2006/relationships" xmlns:p="http://schemas.openxmlformats.org/presentationml/2006/main">
+  <p:cSld>
+    <p:spTree>
+      <p:nvGrpSpPr>
+        <p:cNvPr id="1" name=""/>
+        <p:cNvGrpSpPr/>
+        <p:nvPr/>
+      </p:nvGrpSpPr>
+      <p:grpSpPr>
+        <a:xfrm>
+          <a:off x="0" y="0"/>
+          <a:ext cx="0" cy="0"/>
+          <a:chOff x="0" y="0"/>
+          <a:chExt cx="0" cy="0"/>
+        </a:xfrm>
+      </p:grpSpPr>
+      <p:sp>
+        <p:nvSpPr>
+          <p:cNvPr id="2" name="標題 1"/>
+          <p:cNvSpPr>
+            <a:spLocks noGrp="1"/>
+          </p:cNvSpPr>
+          <p:nvPr>
+            <p:ph type="title"/>
+          </p:nvPr>
+        </p:nvSpPr>
+        <p:spPr/>
+        <p:txBody>
+          <a:bodyPr/>
+          <a:lstStyle/>
+          <a:p>
+            <a:r>
               <a:rPr lang="en-US" altLang="zh-TW" dirty="0" smtClean="0"/>
               <a:t>2.</a:t>
             </a:r>
@@ -5489,13 +6583,8 @@
             </a:r>
             <a:r>
               <a:rPr lang="en-US" altLang="zh-TW" dirty="0" smtClean="0"/>
-              <a:t> </a:t>
-            </a:r>
-            <a:r>
-              <a:rPr lang="en-US" altLang="zh-TW" dirty="0" smtClean="0"/>
-              <a:t>~/test/test1</a:t>
-            </a:r>
-            <a:endParaRPr lang="en-US" altLang="zh-TW" dirty="0" smtClean="0"/>
+              <a:t> ~/test/test1</a:t>
+            </a:r>
           </a:p>
           <a:p>
             <a:r>
@@ -5526,19 +6615,11 @@
             </a:r>
             <a:r>
               <a:rPr lang="en-US" altLang="zh-TW" dirty="0" smtClean="0"/>
-              <a:t> </a:t>
-            </a:r>
-            <a:r>
-              <a:rPr lang="en-US" altLang="zh-TW" dirty="0" smtClean="0"/>
-              <a:t>./test(</a:t>
-            </a:r>
-            <a:r>
-              <a:rPr lang="zh-TW" altLang="en-US" dirty="0" smtClean="0"/>
-              <a:t>如果</a:t>
-            </a:r>
-            <a:r>
-              <a:rPr lang="zh-TW" altLang="en-US" dirty="0" smtClean="0"/>
-              <a:t>在</a:t>
+              <a:t> ./test(</a:t>
+            </a:r>
+            <a:r>
+              <a:rPr lang="zh-TW" altLang="en-US" dirty="0" smtClean="0"/>
+              <a:t>如果在</a:t>
             </a:r>
             <a:r>
               <a:rPr lang="en-US" altLang="zh-TW" dirty="0" smtClean="0"/>
@@ -5569,7 +6650,7 @@
 </p:sld>
 </file>
 
-<file path=ppt/slides/slide6.xml><?xml version="1.0" encoding="utf-8"?>
+<file path=ppt/slides/slide8.xml><?xml version="1.0" encoding="utf-8"?>
 <p:sld xmlns:a="http://schemas.openxmlformats.org/drawingml/2006/main" xmlns:r="http://schemas.openxmlformats.org/officeDocument/2006/relationships" xmlns:p="http://schemas.openxmlformats.org/presentationml/2006/main">
   <p:cSld>
     <p:spTree>
@@ -5776,7 +6857,7 @@
             </a:r>
             <a:r>
               <a:rPr lang="en-US" altLang="zh-TW" dirty="0" smtClean="0"/>
-              <a:t>1.2 </a:t>
+              <a:t>1.3 </a:t>
             </a:r>
             <a:r>
               <a:rPr lang="zh-TW" altLang="en-US" dirty="0" smtClean="0"/>
@@ -5807,7 +6888,7 @@
 </p:sld>
 </file>
 
-<file path=ppt/slides/slide7.xml><?xml version="1.0" encoding="utf-8"?>
+<file path=ppt/slides/slide9.xml><?xml version="1.0" encoding="utf-8"?>
 <p:sld xmlns:a="http://schemas.openxmlformats.org/drawingml/2006/main" xmlns:r="http://schemas.openxmlformats.org/officeDocument/2006/relationships" xmlns:p="http://schemas.openxmlformats.org/presentationml/2006/main">
   <p:cSld>
     <p:spTree>
@@ -5933,7 +7014,7 @@
             </a:r>
             <a:r>
               <a:rPr lang="en-US" altLang="zh-TW" dirty="0" smtClean="0"/>
-              <a:t>1.3 </a:t>
+              <a:t>1.4 </a:t>
             </a:r>
             <a:r>
               <a:rPr lang="zh-TW" altLang="en-US" dirty="0" smtClean="0"/>
@@ -5963,421 +7044,6 @@
     <p:extLst>
       <p:ext uri="{BB962C8B-B14F-4D97-AF65-F5344CB8AC3E}">
         <p14:creationId xmlns:p14="http://schemas.microsoft.com/office/powerpoint/2010/main" val="1396353200"/>
-      </p:ext>
-    </p:extLst>
-  </p:cSld>
-  <p:clrMapOvr>
-    <a:masterClrMapping/>
-  </p:clrMapOvr>
-</p:sld>
-</file>
-
-<file path=ppt/slides/slide8.xml><?xml version="1.0" encoding="utf-8"?>
-<p:sld xmlns:a="http://schemas.openxmlformats.org/drawingml/2006/main" xmlns:r="http://schemas.openxmlformats.org/officeDocument/2006/relationships" xmlns:p="http://schemas.openxmlformats.org/presentationml/2006/main">
-  <p:cSld>
-    <p:spTree>
-      <p:nvGrpSpPr>
-        <p:cNvPr id="1" name=""/>
-        <p:cNvGrpSpPr/>
-        <p:nvPr/>
-      </p:nvGrpSpPr>
-      <p:grpSpPr>
-        <a:xfrm>
-          <a:off x="0" y="0"/>
-          <a:ext cx="0" cy="0"/>
-          <a:chOff x="0" y="0"/>
-          <a:chExt cx="0" cy="0"/>
-        </a:xfrm>
-      </p:grpSpPr>
-      <p:sp>
-        <p:nvSpPr>
-          <p:cNvPr id="2" name="標題 1"/>
-          <p:cNvSpPr>
-            <a:spLocks noGrp="1"/>
-          </p:cNvSpPr>
-          <p:nvPr>
-            <p:ph type="title"/>
-          </p:nvPr>
-        </p:nvSpPr>
-        <p:spPr/>
-        <p:txBody>
-          <a:bodyPr/>
-          <a:lstStyle/>
-          <a:p>
-            <a:r>
-              <a:rPr lang="en-US" altLang="zh-TW" dirty="0" smtClean="0"/>
-              <a:t>3.</a:t>
-            </a:r>
-            <a:r>
-              <a:rPr lang="zh-TW" altLang="en-US" dirty="0" smtClean="0"/>
-              <a:t>刪除空目錄</a:t>
-            </a:r>
-            <a:r>
-              <a:rPr lang="en-US" altLang="zh-TW" dirty="0" smtClean="0"/>
-              <a:t>/</a:t>
-            </a:r>
-            <a:r>
-              <a:rPr lang="zh-TW" altLang="en-US" dirty="0" smtClean="0"/>
-              <a:t>顯示目前目錄</a:t>
-            </a:r>
-            <a:endParaRPr lang="zh-TW" altLang="en-US" dirty="0"/>
-          </a:p>
-        </p:txBody>
-      </p:sp>
-      <p:sp>
-        <p:nvSpPr>
-          <p:cNvPr id="3" name="內容版面配置區 2"/>
-          <p:cNvSpPr>
-            <a:spLocks noGrp="1"/>
-          </p:cNvSpPr>
-          <p:nvPr>
-            <p:ph idx="1"/>
-          </p:nvPr>
-        </p:nvSpPr>
-        <p:spPr>
-          <a:xfrm>
-            <a:off x="457200" y="1628800"/>
-            <a:ext cx="8229600" cy="4525963"/>
-          </a:xfrm>
-        </p:spPr>
-        <p:txBody>
-          <a:bodyPr/>
-          <a:lstStyle/>
-          <a:p>
-            <a:r>
-              <a:rPr lang="zh-TW" altLang="en-US" dirty="0" smtClean="0"/>
-              <a:t>刪除空目錄</a:t>
-            </a:r>
-            <a:r>
-              <a:rPr lang="en-US" altLang="zh-TW" dirty="0" smtClean="0"/>
-              <a:t>:</a:t>
-            </a:r>
-            <a:r>
-              <a:rPr lang="en-US" altLang="zh-TW" dirty="0" err="1" smtClean="0"/>
-              <a:t>rmdir</a:t>
-            </a:r>
-            <a:r>
-              <a:rPr lang="en-US" altLang="zh-TW" dirty="0" smtClean="0"/>
-              <a:t> [Folder name]</a:t>
-            </a:r>
-          </a:p>
-          <a:p>
-            <a:r>
-              <a:rPr lang="zh-TW" altLang="en-US" dirty="0"/>
-              <a:t>刪除目錄參數</a:t>
-            </a:r>
-            <a:r>
-              <a:rPr lang="en-US" altLang="zh-TW" dirty="0" smtClean="0"/>
-              <a:t>:-p </a:t>
-            </a:r>
-            <a:r>
-              <a:rPr lang="zh-TW" altLang="en-US" dirty="0" smtClean="0"/>
-              <a:t>連同上層目錄刪除</a:t>
-            </a:r>
-            <a:endParaRPr lang="en-US" altLang="zh-TW" dirty="0" smtClean="0"/>
-          </a:p>
-          <a:p>
-            <a:r>
-              <a:rPr lang="zh-TW" altLang="en-US" dirty="0" smtClean="0"/>
-              <a:t>刪除目錄參數</a:t>
-            </a:r>
-            <a:r>
-              <a:rPr lang="en-US" altLang="zh-TW" dirty="0" smtClean="0"/>
-              <a:t>:-r </a:t>
-            </a:r>
-            <a:r>
-              <a:rPr lang="zh-TW" altLang="en-US" dirty="0" smtClean="0"/>
-              <a:t>遞迴刪除</a:t>
-            </a:r>
-            <a:r>
-              <a:rPr lang="en-US" altLang="zh-TW" dirty="0" smtClean="0"/>
-              <a:t>(</a:t>
-            </a:r>
-            <a:r>
-              <a:rPr lang="zh-TW" altLang="en-US" dirty="0" smtClean="0"/>
-              <a:t>危險</a:t>
-            </a:r>
-            <a:r>
-              <a:rPr lang="en-US" altLang="zh-TW" dirty="0" smtClean="0"/>
-              <a:t>!)</a:t>
-            </a:r>
-          </a:p>
-          <a:p>
-            <a:r>
-              <a:rPr lang="zh-TW" altLang="en-US" dirty="0"/>
-              <a:t>顯示目前目錄</a:t>
-            </a:r>
-            <a:r>
-              <a:rPr lang="en-US" altLang="zh-TW" dirty="0"/>
-              <a:t>:</a:t>
-            </a:r>
-            <a:r>
-              <a:rPr lang="en-US" altLang="zh-TW" dirty="0" err="1"/>
-              <a:t>pwd</a:t>
-            </a:r>
-            <a:endParaRPr lang="zh-TW" altLang="en-US" dirty="0"/>
-          </a:p>
-        </p:txBody>
-      </p:sp>
-      <p:pic>
-        <p:nvPicPr>
-          <p:cNvPr id="4" name="圖片 3"/>
-          <p:cNvPicPr>
-            <a:picLocks noChangeAspect="1"/>
-          </p:cNvPicPr>
-          <p:nvPr/>
-        </p:nvPicPr>
-        <p:blipFill>
-          <a:blip r:embed="rId2"/>
-          <a:stretch>
-            <a:fillRect/>
-          </a:stretch>
-        </p:blipFill>
-        <p:spPr>
-          <a:xfrm>
-            <a:off x="1475656" y="3933056"/>
-            <a:ext cx="5328592" cy="2489920"/>
-          </a:xfrm>
-          <a:prstGeom prst="rect">
-            <a:avLst/>
-          </a:prstGeom>
-        </p:spPr>
-      </p:pic>
-      <p:sp>
-        <p:nvSpPr>
-          <p:cNvPr id="5" name="文字方塊 4"/>
-          <p:cNvSpPr txBox="1"/>
-          <p:nvPr/>
-        </p:nvSpPr>
-        <p:spPr>
-          <a:xfrm>
-            <a:off x="2555776" y="6422976"/>
-            <a:ext cx="3600400" cy="369332"/>
-          </a:xfrm>
-          <a:prstGeom prst="rect">
-            <a:avLst/>
-          </a:prstGeom>
-          <a:noFill/>
-        </p:spPr>
-        <p:txBody>
-          <a:bodyPr wrap="square" rtlCol="0">
-            <a:spAutoFit/>
-          </a:bodyPr>
-          <a:lstStyle/>
-          <a:p>
-            <a:r>
-              <a:rPr lang="zh-TW" altLang="en-US" dirty="0" smtClean="0"/>
-              <a:t>圖</a:t>
-            </a:r>
-            <a:r>
-              <a:rPr lang="en-US" altLang="zh-TW" dirty="0" smtClean="0"/>
-              <a:t>1.4</a:t>
-            </a:r>
-            <a:r>
-              <a:rPr lang="zh-TW" altLang="en-US" dirty="0" smtClean="0"/>
-              <a:t> 使用</a:t>
-            </a:r>
-            <a:r>
-              <a:rPr lang="en-US" altLang="zh-TW" dirty="0" err="1" smtClean="0"/>
-              <a:t>rmdir</a:t>
-            </a:r>
-            <a:r>
-              <a:rPr lang="zh-TW" altLang="en-US" dirty="0" smtClean="0"/>
-              <a:t>刪除空目錄</a:t>
-            </a:r>
-            <a:endParaRPr lang="zh-TW" altLang="en-US" dirty="0"/>
-          </a:p>
-        </p:txBody>
-      </p:sp>
-    </p:spTree>
-    <p:extLst>
-      <p:ext uri="{BB962C8B-B14F-4D97-AF65-F5344CB8AC3E}">
-        <p14:creationId xmlns:p14="http://schemas.microsoft.com/office/powerpoint/2010/main" val="80622700"/>
-      </p:ext>
-    </p:extLst>
-  </p:cSld>
-  <p:clrMapOvr>
-    <a:masterClrMapping/>
-  </p:clrMapOvr>
-</p:sld>
-</file>
-
-<file path=ppt/slides/slide9.xml><?xml version="1.0" encoding="utf-8"?>
-<p:sld xmlns:a="http://schemas.openxmlformats.org/drawingml/2006/main" xmlns:r="http://schemas.openxmlformats.org/officeDocument/2006/relationships" xmlns:p="http://schemas.openxmlformats.org/presentationml/2006/main">
-  <p:cSld>
-    <p:spTree>
-      <p:nvGrpSpPr>
-        <p:cNvPr id="1" name=""/>
-        <p:cNvGrpSpPr/>
-        <p:nvPr/>
-      </p:nvGrpSpPr>
-      <p:grpSpPr>
-        <a:xfrm>
-          <a:off x="0" y="0"/>
-          <a:ext cx="0" cy="0"/>
-          <a:chOff x="0" y="0"/>
-          <a:chExt cx="0" cy="0"/>
-        </a:xfrm>
-      </p:grpSpPr>
-      <p:sp>
-        <p:nvSpPr>
-          <p:cNvPr id="2" name="標題 1"/>
-          <p:cNvSpPr>
-            <a:spLocks noGrp="1"/>
-          </p:cNvSpPr>
-          <p:nvPr>
-            <p:ph type="title"/>
-          </p:nvPr>
-        </p:nvSpPr>
-        <p:spPr/>
-        <p:txBody>
-          <a:bodyPr/>
-          <a:lstStyle/>
-          <a:p>
-            <a:r>
-              <a:rPr lang="en-US" altLang="zh-TW" dirty="0" smtClean="0"/>
-              <a:t>3.</a:t>
-            </a:r>
-            <a:r>
-              <a:rPr lang="zh-TW" altLang="en-US" dirty="0" smtClean="0"/>
-              <a:t>刪除目錄</a:t>
-            </a:r>
-            <a:r>
-              <a:rPr lang="en-US" altLang="zh-TW" dirty="0"/>
-              <a:t>/</a:t>
-            </a:r>
-            <a:r>
-              <a:rPr lang="zh-TW" altLang="en-US" dirty="0" smtClean="0"/>
-              <a:t>顯示目前目錄</a:t>
-            </a:r>
-            <a:endParaRPr lang="zh-TW" altLang="en-US" dirty="0"/>
-          </a:p>
-        </p:txBody>
-      </p:sp>
-      <p:pic>
-        <p:nvPicPr>
-          <p:cNvPr id="7170" name="Picture 2"/>
-          <p:cNvPicPr>
-            <a:picLocks noChangeAspect="1" noChangeArrowheads="1"/>
-          </p:cNvPicPr>
-          <p:nvPr/>
-        </p:nvPicPr>
-        <p:blipFill>
-          <a:blip r:embed="rId2">
-            <a:extLst>
-              <a:ext uri="{28A0092B-C50C-407E-A947-70E740481C1C}">
-                <a14:useLocalDpi xmlns:a14="http://schemas.microsoft.com/office/drawing/2010/main" val="0"/>
-              </a:ext>
-            </a:extLst>
-          </a:blip>
-          <a:srcRect/>
-          <a:stretch>
-            <a:fillRect/>
-          </a:stretch>
-        </p:blipFill>
-        <p:spPr bwMode="auto">
-          <a:xfrm>
-            <a:off x="1475656" y="1556792"/>
-            <a:ext cx="6216208" cy="3904802"/>
-          </a:xfrm>
-          <a:prstGeom prst="rect">
-            <a:avLst/>
-          </a:prstGeom>
-          <a:noFill/>
-          <a:ln>
-            <a:noFill/>
-          </a:ln>
-          <a:extLst>
-            <a:ext uri="{909E8E84-426E-40DD-AFC4-6F175D3DCCD1}">
-              <a14:hiddenFill xmlns:a14="http://schemas.microsoft.com/office/drawing/2010/main">
-                <a:solidFill>
-                  <a:schemeClr val="accent1"/>
-                </a:solidFill>
-              </a14:hiddenFill>
-            </a:ext>
-            <a:ext uri="{91240B29-F687-4F45-9708-019B960494DF}">
-              <a14:hiddenLine xmlns:a14="http://schemas.microsoft.com/office/drawing/2010/main" w="9525">
-                <a:solidFill>
-                  <a:schemeClr val="tx1"/>
-                </a:solidFill>
-                <a:miter lim="800000"/>
-                <a:headEnd/>
-                <a:tailEnd/>
-              </a14:hiddenLine>
-            </a:ext>
-          </a:extLst>
-        </p:spPr>
-      </p:pic>
-      <p:sp>
-        <p:nvSpPr>
-          <p:cNvPr id="4" name="文字方塊 3"/>
-          <p:cNvSpPr txBox="1"/>
-          <p:nvPr/>
-        </p:nvSpPr>
-        <p:spPr>
-          <a:xfrm>
-            <a:off x="1763688" y="5606606"/>
-            <a:ext cx="5640144" cy="369332"/>
-          </a:xfrm>
-          <a:prstGeom prst="rect">
-            <a:avLst/>
-          </a:prstGeom>
-          <a:noFill/>
-        </p:spPr>
-        <p:txBody>
-          <a:bodyPr wrap="square" rtlCol="0">
-            <a:spAutoFit/>
-          </a:bodyPr>
-          <a:lstStyle/>
-          <a:p>
-            <a:r>
-              <a:rPr lang="zh-TW" altLang="en-US" dirty="0" smtClean="0"/>
-              <a:t>圖</a:t>
-            </a:r>
-            <a:r>
-              <a:rPr lang="en-US" altLang="zh-TW" dirty="0" smtClean="0"/>
-              <a:t>1.5 </a:t>
-            </a:r>
-            <a:r>
-              <a:rPr lang="zh-TW" altLang="en-US" dirty="0" smtClean="0"/>
-              <a:t>在</a:t>
-            </a:r>
-            <a:r>
-              <a:rPr lang="en-US" altLang="zh-TW" dirty="0" smtClean="0"/>
-              <a:t>test4</a:t>
-            </a:r>
-            <a:r>
-              <a:rPr lang="zh-TW" altLang="en-US" dirty="0" smtClean="0"/>
-              <a:t>資料夾創立檔案</a:t>
-            </a:r>
-            <a:r>
-              <a:rPr lang="en-US" altLang="zh-TW" dirty="0" smtClean="0"/>
-              <a:t>,</a:t>
-            </a:r>
-            <a:r>
-              <a:rPr lang="zh-TW" altLang="en-US" dirty="0" smtClean="0"/>
-              <a:t>刪除時報錯</a:t>
-            </a:r>
-            <a:r>
-              <a:rPr lang="en-US" altLang="zh-TW" dirty="0" smtClean="0"/>
-              <a:t>(</a:t>
-            </a:r>
-            <a:r>
-              <a:rPr lang="zh-TW" altLang="en-US" dirty="0" smtClean="0"/>
-              <a:t>目錄非為空</a:t>
-            </a:r>
-            <a:r>
-              <a:rPr lang="en-US" altLang="zh-TW" dirty="0" smtClean="0"/>
-              <a:t>)</a:t>
-            </a:r>
-            <a:endParaRPr lang="zh-TW" altLang="en-US" dirty="0"/>
-          </a:p>
-        </p:txBody>
-      </p:sp>
-    </p:spTree>
-    <p:extLst>
-      <p:ext uri="{BB962C8B-B14F-4D97-AF65-F5344CB8AC3E}">
-        <p14:creationId xmlns:p14="http://schemas.microsoft.com/office/powerpoint/2010/main" val="2560236479"/>
       </p:ext>
     </p:extLst>
   </p:cSld>
